--- a/SWE5300/Chapter 2.pptx
+++ b/SWE5300/Chapter 2.pptx
@@ -5,49 +5,49 @@
     <p:sldMasterId id="2147483648" r:id="rId1"/>
   </p:sldMasterIdLst>
   <p:sldIdLst>
-    <p:sldId id="256" r:id="rId2"/>
-    <p:sldId id="257" r:id="rId3"/>
-    <p:sldId id="258" r:id="rId4"/>
-    <p:sldId id="259" r:id="rId5"/>
-    <p:sldId id="260" r:id="rId6"/>
-    <p:sldId id="261" r:id="rId7"/>
-    <p:sldId id="262" r:id="rId8"/>
-    <p:sldId id="263" r:id="rId9"/>
-    <p:sldId id="264" r:id="rId10"/>
-    <p:sldId id="265" r:id="rId11"/>
-    <p:sldId id="266" r:id="rId12"/>
-    <p:sldId id="267" r:id="rId13"/>
-    <p:sldId id="268" r:id="rId14"/>
-    <p:sldId id="269" r:id="rId15"/>
-    <p:sldId id="270" r:id="rId16"/>
-    <p:sldId id="271" r:id="rId17"/>
-    <p:sldId id="272" r:id="rId18"/>
-    <p:sldId id="273" r:id="rId19"/>
-    <p:sldId id="274" r:id="rId20"/>
-    <p:sldId id="275" r:id="rId21"/>
-    <p:sldId id="276" r:id="rId22"/>
-    <p:sldId id="277" r:id="rId23"/>
-    <p:sldId id="278" r:id="rId24"/>
-    <p:sldId id="279" r:id="rId25"/>
-    <p:sldId id="280" r:id="rId26"/>
-    <p:sldId id="281" r:id="rId27"/>
-    <p:sldId id="282" r:id="rId28"/>
-    <p:sldId id="283" r:id="rId29"/>
-    <p:sldId id="284" r:id="rId30"/>
-    <p:sldId id="285" r:id="rId31"/>
-    <p:sldId id="286" r:id="rId32"/>
-    <p:sldId id="287" r:id="rId33"/>
-    <p:sldId id="288" r:id="rId34"/>
-    <p:sldId id="289" r:id="rId35"/>
-    <p:sldId id="290" r:id="rId36"/>
-    <p:sldId id="291" r:id="rId37"/>
-    <p:sldId id="292" r:id="rId38"/>
-    <p:sldId id="302" r:id="rId39"/>
-    <p:sldId id="297" r:id="rId40"/>
-    <p:sldId id="298" r:id="rId41"/>
-    <p:sldId id="299" r:id="rId42"/>
-    <p:sldId id="300" r:id="rId43"/>
-    <p:sldId id="301" r:id="rId44"/>
+    <p:sldId id="256" r:id="rId3"/>
+    <p:sldId id="257" r:id="rId4"/>
+    <p:sldId id="258" r:id="rId5"/>
+    <p:sldId id="259" r:id="rId6"/>
+    <p:sldId id="260" r:id="rId7"/>
+    <p:sldId id="261" r:id="rId8"/>
+    <p:sldId id="262" r:id="rId9"/>
+    <p:sldId id="263" r:id="rId10"/>
+    <p:sldId id="264" r:id="rId11"/>
+    <p:sldId id="265" r:id="rId12"/>
+    <p:sldId id="266" r:id="rId13"/>
+    <p:sldId id="267" r:id="rId14"/>
+    <p:sldId id="268" r:id="rId15"/>
+    <p:sldId id="269" r:id="rId16"/>
+    <p:sldId id="270" r:id="rId17"/>
+    <p:sldId id="271" r:id="rId18"/>
+    <p:sldId id="272" r:id="rId19"/>
+    <p:sldId id="273" r:id="rId20"/>
+    <p:sldId id="274" r:id="rId21"/>
+    <p:sldId id="275" r:id="rId22"/>
+    <p:sldId id="276" r:id="rId23"/>
+    <p:sldId id="277" r:id="rId24"/>
+    <p:sldId id="278" r:id="rId25"/>
+    <p:sldId id="279" r:id="rId26"/>
+    <p:sldId id="280" r:id="rId27"/>
+    <p:sldId id="281" r:id="rId28"/>
+    <p:sldId id="282" r:id="rId29"/>
+    <p:sldId id="283" r:id="rId30"/>
+    <p:sldId id="284" r:id="rId31"/>
+    <p:sldId id="285" r:id="rId32"/>
+    <p:sldId id="286" r:id="rId33"/>
+    <p:sldId id="287" r:id="rId34"/>
+    <p:sldId id="288" r:id="rId35"/>
+    <p:sldId id="289" r:id="rId36"/>
+    <p:sldId id="290" r:id="rId37"/>
+    <p:sldId id="291" r:id="rId38"/>
+    <p:sldId id="292" r:id="rId39"/>
+    <p:sldId id="302" r:id="rId40"/>
+    <p:sldId id="297" r:id="rId41"/>
+    <p:sldId id="298" r:id="rId42"/>
+    <p:sldId id="299" r:id="rId43"/>
+    <p:sldId id="300" r:id="rId44"/>
+    <p:sldId id="301" r:id="rId45"/>
   </p:sldIdLst>
   <p:sldSz cx="12192000" cy="6858000"/>
   <p:notesSz cx="12192000" cy="6858000"/>
@@ -59,12 +59,12 @@
   <p:extLst>
     <p:ext uri="{EFAFB233-063F-42B5-8137-9DF3F51BA10A}">
       <p15:sldGuideLst xmlns:p15="http://schemas.microsoft.com/office/powerpoint/2012/main">
-        <p15:guide id="1" orient="horz" pos="2880">
+        <p15:guide id="1" orient="horz" pos="2880" userDrawn="1">
           <p15:clr>
             <a:srgbClr val="A4A3A4"/>
           </p15:clr>
         </p15:guide>
-        <p15:guide id="2" pos="2160">
+        <p15:guide id="2" pos="2160" userDrawn="1">
           <p15:clr>
             <a:srgbClr val="A4A3A4"/>
           </p15:clr>
@@ -126,9 +126,7 @@
               </a:defRPr>
             </a:lvl1pPr>
           </a:lstStyle>
-          <a:p>
-            <a:endParaRPr/>
-          </a:p>
+          <a:p/>
         </p:txBody>
       </p:sp>
       <p:sp>
@@ -165,9 +163,7 @@
               </a:defRPr>
             </a:lvl1pPr>
           </a:lstStyle>
-          <a:p>
-            <a:endParaRPr/>
-          </a:p>
+          <a:p/>
         </p:txBody>
       </p:sp>
       <p:sp>
@@ -194,9 +190,7 @@
               </a:defRPr>
             </a:lvl1pPr>
           </a:lstStyle>
-          <a:p>
-            <a:endParaRPr/>
-          </a:p>
+          <a:p/>
         </p:txBody>
       </p:sp>
       <p:sp>
@@ -226,7 +220,6 @@
           <a:p>
             <a:fld id="{1D8BD707-D9CF-40AE-B4C6-C98DA3205C09}" type="datetimeFigureOut">
               <a:rPr lang="en-US"/>
-              <a:t>3/28/2025</a:t>
             </a:fld>
             <a:endParaRPr lang="en-US"/>
           </a:p>
@@ -258,7 +251,7 @@
           </a:lstStyle>
           <a:p>
             <a:fld id="{B6F15528-21DE-4FAA-801E-634DDDAF4B2B}" type="slidenum">
-              <a:t>‹#›</a:t>
+              <a:rPr/>
             </a:fld>
             <a:endParaRPr/>
           </a:p>
@@ -313,9 +306,7 @@
               </a:defRPr>
             </a:lvl1pPr>
           </a:lstStyle>
-          <a:p>
-            <a:endParaRPr/>
-          </a:p>
+          <a:p/>
         </p:txBody>
       </p:sp>
       <p:sp>
@@ -342,9 +333,7 @@
               </a:defRPr>
             </a:lvl1pPr>
           </a:lstStyle>
-          <a:p>
-            <a:endParaRPr/>
-          </a:p>
+          <a:p/>
         </p:txBody>
       </p:sp>
       <p:sp>
@@ -371,9 +360,7 @@
               </a:defRPr>
             </a:lvl1pPr>
           </a:lstStyle>
-          <a:p>
-            <a:endParaRPr/>
-          </a:p>
+          <a:p/>
         </p:txBody>
       </p:sp>
       <p:sp>
@@ -403,7 +390,6 @@
           <a:p>
             <a:fld id="{1D8BD707-D9CF-40AE-B4C6-C98DA3205C09}" type="datetimeFigureOut">
               <a:rPr lang="en-US"/>
-              <a:t>3/28/2025</a:t>
             </a:fld>
             <a:endParaRPr lang="en-US"/>
           </a:p>
@@ -435,7 +421,7 @@
           </a:lstStyle>
           <a:p>
             <a:fld id="{B6F15528-21DE-4FAA-801E-634DDDAF4B2B}" type="slidenum">
-              <a:t>‹#›</a:t>
+              <a:rPr/>
             </a:fld>
             <a:endParaRPr/>
           </a:p>
@@ -490,9 +476,7 @@
               </a:defRPr>
             </a:lvl1pPr>
           </a:lstStyle>
-          <a:p>
-            <a:endParaRPr/>
-          </a:p>
+          <a:p/>
         </p:txBody>
       </p:sp>
       <p:sp>
@@ -523,9 +507,7 @@
               <a:defRPr/>
             </a:lvl1pPr>
           </a:lstStyle>
-          <a:p>
-            <a:endParaRPr/>
-          </a:p>
+          <a:p/>
         </p:txBody>
       </p:sp>
       <p:sp>
@@ -562,9 +544,7 @@
               </a:defRPr>
             </a:lvl1pPr>
           </a:lstStyle>
-          <a:p>
-            <a:endParaRPr/>
-          </a:p>
+          <a:p/>
         </p:txBody>
       </p:sp>
       <p:sp>
@@ -591,9 +571,7 @@
               </a:defRPr>
             </a:lvl1pPr>
           </a:lstStyle>
-          <a:p>
-            <a:endParaRPr/>
-          </a:p>
+          <a:p/>
         </p:txBody>
       </p:sp>
       <p:sp>
@@ -623,7 +601,6 @@
           <a:p>
             <a:fld id="{1D8BD707-D9CF-40AE-B4C6-C98DA3205C09}" type="datetimeFigureOut">
               <a:rPr lang="en-US"/>
-              <a:t>3/28/2025</a:t>
             </a:fld>
             <a:endParaRPr lang="en-US"/>
           </a:p>
@@ -655,7 +632,7 @@
           </a:lstStyle>
           <a:p>
             <a:fld id="{B6F15528-21DE-4FAA-801E-634DDDAF4B2B}" type="slidenum">
-              <a:t>‹#›</a:t>
+              <a:rPr/>
             </a:fld>
             <a:endParaRPr/>
           </a:p>
@@ -670,7 +647,7 @@
 </file>
 
 <file path=ppt/slideLayouts/slideLayout4.xml><?xml version="1.0" encoding="utf-8"?>
-<p:sldLayout xmlns:a="http://schemas.openxmlformats.org/drawingml/2006/main" xmlns:r="http://schemas.openxmlformats.org/officeDocument/2006/relationships" xmlns:p="http://schemas.openxmlformats.org/presentationml/2006/main" showMasterSp="0" type="obj" preserve="1">
+<p:sldLayout xmlns:a="http://schemas.openxmlformats.org/drawingml/2006/main" xmlns:r="http://schemas.openxmlformats.org/officeDocument/2006/relationships" xmlns:p="http://schemas.openxmlformats.org/presentationml/2006/main" type="obj" preserve="1" showMasterSp="0">
   <p:cSld name="Title Only">
     <p:bg>
       <p:bgPr>
@@ -731,9 +708,7 @@
         <p:txBody>
           <a:bodyPr wrap="square" lIns="0" tIns="0" rIns="0" bIns="0" rtlCol="0"/>
           <a:lstStyle/>
-          <a:p>
-            <a:endParaRPr/>
-          </a:p>
+          <a:p/>
         </p:txBody>
       </p:sp>
       <p:sp>
@@ -760,9 +735,7 @@
               </a:defRPr>
             </a:lvl1pPr>
           </a:lstStyle>
-          <a:p>
-            <a:endParaRPr/>
-          </a:p>
+          <a:p/>
         </p:txBody>
       </p:sp>
       <p:sp>
@@ -789,9 +762,7 @@
               </a:defRPr>
             </a:lvl1pPr>
           </a:lstStyle>
-          <a:p>
-            <a:endParaRPr/>
-          </a:p>
+          <a:p/>
         </p:txBody>
       </p:sp>
       <p:sp>
@@ -821,7 +792,6 @@
           <a:p>
             <a:fld id="{1D8BD707-D9CF-40AE-B4C6-C98DA3205C09}" type="datetimeFigureOut">
               <a:rPr lang="en-US"/>
-              <a:t>3/28/2025</a:t>
             </a:fld>
             <a:endParaRPr lang="en-US"/>
           </a:p>
@@ -853,7 +823,7 @@
           </a:lstStyle>
           <a:p>
             <a:fld id="{B6F15528-21DE-4FAA-801E-634DDDAF4B2B}" type="slidenum">
-              <a:t>‹#›</a:t>
+              <a:rPr/>
             </a:fld>
             <a:endParaRPr/>
           </a:p>
@@ -908,9 +878,7 @@
               </a:defRPr>
             </a:lvl1pPr>
           </a:lstStyle>
-          <a:p>
-            <a:endParaRPr/>
-          </a:p>
+          <a:p/>
         </p:txBody>
       </p:sp>
       <p:sp>
@@ -940,7 +908,6 @@
           <a:p>
             <a:fld id="{1D8BD707-D9CF-40AE-B4C6-C98DA3205C09}" type="datetimeFigureOut">
               <a:rPr lang="en-US"/>
-              <a:t>3/28/2025</a:t>
             </a:fld>
             <a:endParaRPr lang="en-US"/>
           </a:p>
@@ -972,7 +939,7 @@
           </a:lstStyle>
           <a:p>
             <a:fld id="{B6F15528-21DE-4FAA-801E-634DDDAF4B2B}" type="slidenum">
-              <a:t>‹#›</a:t>
+              <a:rPr/>
             </a:fld>
             <a:endParaRPr/>
           </a:p>
@@ -1048,9 +1015,7 @@
         <p:txBody>
           <a:bodyPr wrap="square" lIns="0" tIns="0" rIns="0" bIns="0" rtlCol="0"/>
           <a:lstStyle/>
-          <a:p>
-            <a:endParaRPr/>
-          </a:p>
+          <a:p/>
         </p:txBody>
       </p:sp>
       <p:sp>
@@ -1087,9 +1052,7 @@
               </a:defRPr>
             </a:lvl1pPr>
           </a:lstStyle>
-          <a:p>
-            <a:endParaRPr/>
-          </a:p>
+          <a:p/>
         </p:txBody>
       </p:sp>
       <p:sp>
@@ -1126,9 +1089,7 @@
               </a:defRPr>
             </a:lvl1pPr>
           </a:lstStyle>
-          <a:p>
-            <a:endParaRPr/>
-          </a:p>
+          <a:p/>
         </p:txBody>
       </p:sp>
       <p:sp>
@@ -1165,9 +1126,7 @@
               </a:defRPr>
             </a:lvl1pPr>
           </a:lstStyle>
-          <a:p>
-            <a:endParaRPr/>
-          </a:p>
+          <a:p/>
         </p:txBody>
       </p:sp>
       <p:sp>
@@ -1207,7 +1166,6 @@
           <a:p>
             <a:fld id="{1D8BD707-D9CF-40AE-B4C6-C98DA3205C09}" type="datetimeFigureOut">
               <a:rPr lang="en-US"/>
-              <a:t>3/28/2025</a:t>
             </a:fld>
             <a:endParaRPr lang="en-US"/>
           </a:p>
@@ -1249,7 +1207,7 @@
           </a:lstStyle>
           <a:p>
             <a:fld id="{B6F15528-21DE-4FAA-801E-634DDDAF4B2B}" type="slidenum">
-              <a:t>‹#›</a:t>
+              <a:rPr/>
             </a:fld>
             <a:endParaRPr/>
           </a:p>
@@ -1259,11 +1217,11 @@
   </p:cSld>
   <p:clrMap bg1="lt1" tx1="dk1" bg2="lt2" tx2="dk2" accent1="accent1" accent2="accent2" accent3="accent3" accent4="accent4" accent5="accent5" accent6="accent6" hlink="hlink" folHlink="folHlink"/>
   <p:sldLayoutIdLst>
-    <p:sldLayoutId id="2147483661" r:id="rId1"/>
-    <p:sldLayoutId id="2147483662" r:id="rId2"/>
-    <p:sldLayoutId id="2147483663" r:id="rId3"/>
-    <p:sldLayoutId id="2147483664" r:id="rId4"/>
-    <p:sldLayoutId id="2147483665" r:id="rId5"/>
+    <p:sldLayoutId id="2147483649" r:id="rId1"/>
+    <p:sldLayoutId id="2147483650" r:id="rId2"/>
+    <p:sldLayoutId id="2147483651" r:id="rId3"/>
+    <p:sldLayoutId id="2147483652" r:id="rId4"/>
+    <p:sldLayoutId id="2147483653" r:id="rId5"/>
   </p:sldLayoutIdLst>
   <p:txStyles>
     <p:titleStyle>
@@ -1779,7 +1737,7 @@
                 <a:spcPct val="100000"/>
               </a:lnSpc>
               <a:spcBef>
-                <a:spcPts val="309"/>
+                <a:spcPts val="310"/>
               </a:spcBef>
               <a:tabLst>
                 <a:tab pos="526415" algn="l"/>
@@ -1897,8 +1855,8 @@
                 <a:solidFill>
                   <a:srgbClr val="1CACE3"/>
                 </a:solidFill>
-                <a:latin typeface="Wingdings 3"/>
-                <a:cs typeface="Wingdings 3"/>
+                <a:latin typeface="Wingdings 3" panose="05040102010807070707"/>
+                <a:cs typeface="Wingdings 3" panose="05040102010807070707"/>
               </a:rPr>
               <a:t></a:t>
             </a:r>
@@ -1907,8 +1865,8 @@
                 <a:solidFill>
                   <a:srgbClr val="1CACE3"/>
                 </a:solidFill>
-                <a:latin typeface="Times New Roman"/>
-                <a:cs typeface="Times New Roman"/>
+                <a:latin typeface="Times New Roman" panose="02020603050405020304"/>
+                <a:cs typeface="Times New Roman" panose="02020603050405020304"/>
               </a:rPr>
               <a:t>	</a:t>
             </a:r>
@@ -1983,8 +1941,8 @@
                 <a:solidFill>
                   <a:srgbClr val="1CACE3"/>
                 </a:solidFill>
-                <a:latin typeface="Wingdings 3"/>
-                <a:cs typeface="Wingdings 3"/>
+                <a:latin typeface="Wingdings 3" panose="05040102010807070707"/>
+                <a:cs typeface="Wingdings 3" panose="05040102010807070707"/>
               </a:rPr>
               <a:t></a:t>
             </a:r>
@@ -1993,8 +1951,8 @@
                 <a:solidFill>
                   <a:srgbClr val="1CACE3"/>
                 </a:solidFill>
-                <a:latin typeface="Times New Roman"/>
-                <a:cs typeface="Times New Roman"/>
+                <a:latin typeface="Times New Roman" panose="02020603050405020304"/>
+                <a:cs typeface="Times New Roman" panose="02020603050405020304"/>
               </a:rPr>
               <a:t>	</a:t>
             </a:r>
@@ -2104,8 +2062,8 @@
                 <a:solidFill>
                   <a:srgbClr val="1CACE3"/>
                 </a:solidFill>
-                <a:latin typeface="Wingdings 3"/>
-                <a:cs typeface="Wingdings 3"/>
+                <a:latin typeface="Wingdings 3" panose="05040102010807070707"/>
+                <a:cs typeface="Wingdings 3" panose="05040102010807070707"/>
               </a:rPr>
               <a:t></a:t>
             </a:r>
@@ -2114,8 +2072,8 @@
                 <a:solidFill>
                   <a:srgbClr val="1CACE3"/>
                 </a:solidFill>
-                <a:latin typeface="Times New Roman"/>
-                <a:cs typeface="Times New Roman"/>
+                <a:latin typeface="Times New Roman" panose="02020603050405020304"/>
+                <a:cs typeface="Times New Roman" panose="02020603050405020304"/>
               </a:rPr>
               <a:t>	</a:t>
             </a:r>
@@ -2232,8 +2190,8 @@
                 <a:solidFill>
                   <a:srgbClr val="1CACE3"/>
                 </a:solidFill>
-                <a:latin typeface="Wingdings 3"/>
-                <a:cs typeface="Wingdings 3"/>
+                <a:latin typeface="Wingdings 3" panose="05040102010807070707"/>
+                <a:cs typeface="Wingdings 3" panose="05040102010807070707"/>
               </a:rPr>
               <a:t></a:t>
             </a:r>
@@ -2242,8 +2200,8 @@
                 <a:solidFill>
                   <a:srgbClr val="1CACE3"/>
                 </a:solidFill>
-                <a:latin typeface="Times New Roman"/>
-                <a:cs typeface="Times New Roman"/>
+                <a:latin typeface="Times New Roman" panose="02020603050405020304"/>
+                <a:cs typeface="Times New Roman" panose="02020603050405020304"/>
               </a:rPr>
               <a:t>	</a:t>
             </a:r>
@@ -2468,7 +2426,7 @@
           <p:nvPr/>
         </p:nvPicPr>
         <p:blipFill>
-          <a:blip r:embed="rId2" cstate="print"/>
+          <a:blip r:embed="rId1" cstate="print"/>
           <a:stretch>
             <a:fillRect/>
           </a:stretch>
@@ -2514,147 +2472,147 @@
             </a:pPr>
             <a:r>
               <a:rPr sz="1800" dirty="0">
-                <a:latin typeface="Arial"/>
-                <a:cs typeface="Arial"/>
+                <a:latin typeface="Arial" panose="020B0704020202020204"/>
+                <a:cs typeface="Arial" panose="020B0704020202020204"/>
               </a:rPr>
               <a:t>Project</a:t>
             </a:r>
             <a:r>
               <a:rPr sz="1800" spc="-30" dirty="0">
-                <a:latin typeface="Arial"/>
-                <a:cs typeface="Arial"/>
+                <a:latin typeface="Arial" panose="020B0704020202020204"/>
+                <a:cs typeface="Arial" panose="020B0704020202020204"/>
               </a:rPr>
               <a:t> </a:t>
             </a:r>
             <a:r>
               <a:rPr sz="1800" dirty="0">
-                <a:latin typeface="Arial"/>
-                <a:cs typeface="Arial"/>
+                <a:latin typeface="Arial" panose="020B0704020202020204"/>
+                <a:cs typeface="Arial" panose="020B0704020202020204"/>
               </a:rPr>
               <a:t>selection</a:t>
             </a:r>
             <a:r>
               <a:rPr sz="1800" spc="-35" dirty="0">
-                <a:latin typeface="Arial"/>
-                <a:cs typeface="Arial"/>
+                <a:latin typeface="Arial" panose="020B0704020202020204"/>
+                <a:cs typeface="Arial" panose="020B0704020202020204"/>
               </a:rPr>
               <a:t> </a:t>
             </a:r>
             <a:r>
               <a:rPr sz="1800" dirty="0">
-                <a:latin typeface="Arial"/>
-                <a:cs typeface="Arial"/>
+                <a:latin typeface="Arial" panose="020B0704020202020204"/>
+                <a:cs typeface="Arial" panose="020B0704020202020204"/>
               </a:rPr>
               <a:t>decisions</a:t>
             </a:r>
             <a:r>
               <a:rPr sz="1800" spc="-25" dirty="0">
-                <a:latin typeface="Arial"/>
-                <a:cs typeface="Arial"/>
+                <a:latin typeface="Arial" panose="020B0704020202020204"/>
+                <a:cs typeface="Arial" panose="020B0704020202020204"/>
               </a:rPr>
               <a:t> </a:t>
             </a:r>
             <a:r>
               <a:rPr sz="1800" spc="-20" dirty="0">
-                <a:latin typeface="Arial"/>
-                <a:cs typeface="Arial"/>
+                <a:latin typeface="Arial" panose="020B0704020202020204"/>
+                <a:cs typeface="Arial" panose="020B0704020202020204"/>
               </a:rPr>
               <a:t>must </a:t>
             </a:r>
             <a:r>
               <a:rPr sz="1800" dirty="0">
-                <a:latin typeface="Arial"/>
-                <a:cs typeface="Arial"/>
+                <a:latin typeface="Arial" panose="020B0704020202020204"/>
+                <a:cs typeface="Arial" panose="020B0704020202020204"/>
               </a:rPr>
               <a:t>consider</a:t>
             </a:r>
             <a:r>
               <a:rPr sz="1800" spc="-25" dirty="0">
-                <a:latin typeface="Arial"/>
-                <a:cs typeface="Arial"/>
+                <a:latin typeface="Arial" panose="020B0704020202020204"/>
+                <a:cs typeface="Arial" panose="020B0704020202020204"/>
               </a:rPr>
               <a:t> </a:t>
             </a:r>
             <a:r>
               <a:rPr sz="1800" dirty="0">
-                <a:latin typeface="Arial"/>
-                <a:cs typeface="Arial"/>
+                <a:latin typeface="Arial" panose="020B0704020202020204"/>
+                <a:cs typeface="Arial" panose="020B0704020202020204"/>
               </a:rPr>
               <a:t>numerous</a:t>
             </a:r>
             <a:r>
               <a:rPr sz="1800" spc="-30" dirty="0">
-                <a:latin typeface="Arial"/>
-                <a:cs typeface="Arial"/>
+                <a:latin typeface="Arial" panose="020B0704020202020204"/>
+                <a:cs typeface="Arial" panose="020B0704020202020204"/>
               </a:rPr>
               <a:t> </a:t>
             </a:r>
             <a:r>
               <a:rPr sz="1800" dirty="0">
-                <a:latin typeface="Arial"/>
-                <a:cs typeface="Arial"/>
+                <a:latin typeface="Arial" panose="020B0704020202020204"/>
+                <a:cs typeface="Arial" panose="020B0704020202020204"/>
               </a:rPr>
               <a:t>factors</a:t>
             </a:r>
             <a:r>
               <a:rPr sz="1800" spc="-15" dirty="0">
-                <a:latin typeface="Arial"/>
-                <a:cs typeface="Arial"/>
+                <a:latin typeface="Arial" panose="020B0704020202020204"/>
+                <a:cs typeface="Arial" panose="020B0704020202020204"/>
               </a:rPr>
               <a:t> </a:t>
             </a:r>
             <a:r>
               <a:rPr sz="1800" dirty="0">
-                <a:latin typeface="Arial"/>
-                <a:cs typeface="Arial"/>
+                <a:latin typeface="Arial" panose="020B0704020202020204"/>
+                <a:cs typeface="Arial" panose="020B0704020202020204"/>
               </a:rPr>
               <a:t>and</a:t>
             </a:r>
             <a:r>
               <a:rPr sz="1800" spc="-25" dirty="0">
-                <a:latin typeface="Arial"/>
-                <a:cs typeface="Arial"/>
+                <a:latin typeface="Arial" panose="020B0704020202020204"/>
+                <a:cs typeface="Arial" panose="020B0704020202020204"/>
               </a:rPr>
               <a:t> can </a:t>
             </a:r>
             <a:r>
               <a:rPr sz="1800" dirty="0">
-                <a:latin typeface="Arial"/>
-                <a:cs typeface="Arial"/>
+                <a:latin typeface="Arial" panose="020B0704020202020204"/>
+                <a:cs typeface="Arial" panose="020B0704020202020204"/>
               </a:rPr>
               <a:t>have</a:t>
             </a:r>
             <a:r>
               <a:rPr sz="1800" spc="-10" dirty="0">
-                <a:latin typeface="Arial"/>
-                <a:cs typeface="Arial"/>
+                <a:latin typeface="Arial" panose="020B0704020202020204"/>
+                <a:cs typeface="Arial" panose="020B0704020202020204"/>
               </a:rPr>
               <a:t> </a:t>
             </a:r>
             <a:r>
               <a:rPr sz="1800" dirty="0">
-                <a:latin typeface="Arial"/>
-                <a:cs typeface="Arial"/>
+                <a:latin typeface="Arial" panose="020B0704020202020204"/>
+                <a:cs typeface="Arial" panose="020B0704020202020204"/>
               </a:rPr>
               <a:t>numerous</a:t>
             </a:r>
             <a:r>
               <a:rPr sz="1800" spc="-15" dirty="0">
-                <a:latin typeface="Arial"/>
-                <a:cs typeface="Arial"/>
+                <a:latin typeface="Arial" panose="020B0704020202020204"/>
+                <a:cs typeface="Arial" panose="020B0704020202020204"/>
               </a:rPr>
               <a:t> </a:t>
             </a:r>
             <a:r>
               <a:rPr sz="1800" spc="-10" dirty="0">
-                <a:latin typeface="Arial"/>
-                <a:cs typeface="Arial"/>
+                <a:latin typeface="Arial" panose="020B0704020202020204"/>
+                <a:cs typeface="Arial" panose="020B0704020202020204"/>
               </a:rPr>
               <a:t>outcomes</a:t>
             </a:r>
             <a:endParaRPr sz="1800">
-              <a:latin typeface="Arial"/>
-              <a:cs typeface="Arial"/>
+              <a:latin typeface="Arial" panose="020B0704020202020204"/>
+              <a:cs typeface="Arial" panose="020B0704020202020204"/>
             </a:endParaRPr>
           </a:p>
         </p:txBody>
@@ -2810,7 +2768,7 @@
           </a:bodyPr>
           <a:lstStyle/>
           <a:p>
-            <a:pPr marL="12700" marR="5080" indent="29209">
+            <a:pPr marL="12700" marR="5080" indent="29210">
               <a:lnSpc>
                 <a:spcPts val="3030"/>
               </a:lnSpc>
@@ -2994,7 +2952,7 @@
             </a:endParaRPr>
           </a:p>
           <a:p>
-            <a:pPr marL="858519" marR="4872355" indent="-457200">
+            <a:pPr marL="858520" marR="4872355" indent="-457200">
               <a:lnSpc>
                 <a:spcPts val="2660"/>
               </a:lnSpc>
@@ -3010,8 +2968,8 @@
                 <a:solidFill>
                   <a:srgbClr val="1CACE3"/>
                 </a:solidFill>
-                <a:latin typeface="Wingdings 3"/>
-                <a:cs typeface="Wingdings 3"/>
+                <a:latin typeface="Wingdings 3" panose="05040102010807070707"/>
+                <a:cs typeface="Wingdings 3" panose="05040102010807070707"/>
               </a:rPr>
               <a:t></a:t>
             </a:r>
@@ -3020,8 +2978,8 @@
                 <a:solidFill>
                   <a:srgbClr val="1CACE3"/>
                 </a:solidFill>
-                <a:latin typeface="Times New Roman"/>
-                <a:cs typeface="Times New Roman"/>
+                <a:latin typeface="Times New Roman" panose="02020603050405020304"/>
+                <a:cs typeface="Times New Roman" panose="02020603050405020304"/>
               </a:rPr>
               <a:t>	</a:t>
             </a:r>
@@ -3166,8 +3124,8 @@
                 <a:solidFill>
                   <a:srgbClr val="1CACE3"/>
                 </a:solidFill>
-                <a:latin typeface="Wingdings 3"/>
-                <a:cs typeface="Wingdings 3"/>
+                <a:latin typeface="Wingdings 3" panose="05040102010807070707"/>
+                <a:cs typeface="Wingdings 3" panose="05040102010807070707"/>
               </a:rPr>
               <a:t></a:t>
             </a:r>
@@ -3176,8 +3134,8 @@
                 <a:solidFill>
                   <a:srgbClr val="1CACE3"/>
                 </a:solidFill>
-                <a:latin typeface="Times New Roman"/>
-                <a:cs typeface="Times New Roman"/>
+                <a:latin typeface="Times New Roman" panose="02020603050405020304"/>
+                <a:cs typeface="Times New Roman" panose="02020603050405020304"/>
               </a:rPr>
               <a:t>	</a:t>
             </a:r>
@@ -3280,8 +3238,8 @@
                 <a:solidFill>
                   <a:srgbClr val="1CACE3"/>
                 </a:solidFill>
-                <a:latin typeface="Wingdings 3"/>
-                <a:cs typeface="Wingdings 3"/>
+                <a:latin typeface="Wingdings 3" panose="05040102010807070707"/>
+                <a:cs typeface="Wingdings 3" panose="05040102010807070707"/>
               </a:rPr>
               <a:t></a:t>
             </a:r>
@@ -3290,8 +3248,8 @@
                 <a:solidFill>
                   <a:srgbClr val="1CACE3"/>
                 </a:solidFill>
-                <a:latin typeface="Times New Roman"/>
-                <a:cs typeface="Times New Roman"/>
+                <a:latin typeface="Times New Roman" panose="02020603050405020304"/>
+                <a:cs typeface="Times New Roman" panose="02020603050405020304"/>
               </a:rPr>
               <a:t>	</a:t>
             </a:r>
@@ -3526,98 +3484,98 @@
             </a:pPr>
             <a:r>
               <a:rPr sz="1800" spc="-10" dirty="0">
-                <a:latin typeface="Arial"/>
-                <a:cs typeface="Arial"/>
+                <a:latin typeface="Arial" panose="020B0704020202020204"/>
+                <a:cs typeface="Arial" panose="020B0704020202020204"/>
               </a:rPr>
               <a:t>Alternative </a:t>
             </a:r>
             <a:r>
               <a:rPr sz="1800" dirty="0">
-                <a:latin typeface="Arial"/>
-                <a:cs typeface="Arial"/>
+                <a:latin typeface="Arial" panose="020B0704020202020204"/>
+                <a:cs typeface="Arial" panose="020B0704020202020204"/>
               </a:rPr>
               <a:t>projects</a:t>
             </a:r>
             <a:r>
               <a:rPr sz="1800" spc="-25" dirty="0">
-                <a:latin typeface="Arial"/>
-                <a:cs typeface="Arial"/>
+                <a:latin typeface="Arial" panose="020B0704020202020204"/>
+                <a:cs typeface="Arial" panose="020B0704020202020204"/>
               </a:rPr>
               <a:t> and </a:t>
             </a:r>
             <a:r>
               <a:rPr sz="1800" dirty="0">
-                <a:latin typeface="Arial"/>
-                <a:cs typeface="Arial"/>
+                <a:latin typeface="Arial" panose="020B0704020202020204"/>
+                <a:cs typeface="Arial" panose="020B0704020202020204"/>
               </a:rPr>
               <a:t>system </a:t>
             </a:r>
             <a:r>
               <a:rPr sz="1800" spc="-10" dirty="0">
-                <a:latin typeface="Arial"/>
-                <a:cs typeface="Arial"/>
+                <a:latin typeface="Arial" panose="020B0704020202020204"/>
+                <a:cs typeface="Arial" panose="020B0704020202020204"/>
               </a:rPr>
               <a:t>design </a:t>
             </a:r>
             <a:r>
               <a:rPr sz="1800" dirty="0">
-                <a:latin typeface="Arial"/>
-                <a:cs typeface="Arial"/>
+                <a:latin typeface="Arial" panose="020B0704020202020204"/>
+                <a:cs typeface="Arial" panose="020B0704020202020204"/>
               </a:rPr>
               <a:t>decisions</a:t>
             </a:r>
             <a:r>
               <a:rPr sz="1800" spc="-40" dirty="0">
-                <a:latin typeface="Arial"/>
-                <a:cs typeface="Arial"/>
+                <a:latin typeface="Arial" panose="020B0704020202020204"/>
+                <a:cs typeface="Arial" panose="020B0704020202020204"/>
               </a:rPr>
               <a:t> </a:t>
             </a:r>
             <a:r>
               <a:rPr sz="1800" dirty="0">
-                <a:latin typeface="Arial"/>
-                <a:cs typeface="Arial"/>
+                <a:latin typeface="Arial" panose="020B0704020202020204"/>
+                <a:cs typeface="Arial" panose="020B0704020202020204"/>
               </a:rPr>
               <a:t>can</a:t>
             </a:r>
             <a:r>
               <a:rPr sz="1800" spc="-15" dirty="0">
-                <a:latin typeface="Arial"/>
-                <a:cs typeface="Arial"/>
+                <a:latin typeface="Arial" panose="020B0704020202020204"/>
+                <a:cs typeface="Arial" panose="020B0704020202020204"/>
               </a:rPr>
               <a:t> </a:t>
             </a:r>
             <a:r>
               <a:rPr sz="1800" spc="-25" dirty="0">
-                <a:latin typeface="Arial"/>
-                <a:cs typeface="Arial"/>
+                <a:latin typeface="Arial" panose="020B0704020202020204"/>
+                <a:cs typeface="Arial" panose="020B0704020202020204"/>
               </a:rPr>
               <a:t>be </a:t>
             </a:r>
             <a:r>
               <a:rPr sz="1800" dirty="0">
-                <a:latin typeface="Arial"/>
-                <a:cs typeface="Arial"/>
+                <a:latin typeface="Arial" panose="020B0704020202020204"/>
+                <a:cs typeface="Arial" panose="020B0704020202020204"/>
               </a:rPr>
               <a:t>assisted</a:t>
             </a:r>
             <a:r>
               <a:rPr sz="1800" spc="-35" dirty="0">
-                <a:latin typeface="Arial"/>
-                <a:cs typeface="Arial"/>
+                <a:latin typeface="Arial" panose="020B0704020202020204"/>
+                <a:cs typeface="Arial" panose="020B0704020202020204"/>
               </a:rPr>
               <a:t> </a:t>
             </a:r>
             <a:r>
               <a:rPr sz="1800" spc="-10" dirty="0">
-                <a:latin typeface="Arial"/>
-                <a:cs typeface="Arial"/>
+                <a:latin typeface="Arial" panose="020B0704020202020204"/>
+                <a:cs typeface="Arial" panose="020B0704020202020204"/>
               </a:rPr>
               <a:t>using weighted multicriteria analysis</a:t>
             </a:r>
             <a:endParaRPr sz="1800">
-              <a:latin typeface="Arial"/>
-              <a:cs typeface="Arial"/>
+              <a:latin typeface="Arial" panose="020B0704020202020204"/>
+              <a:cs typeface="Arial" panose="020B0704020202020204"/>
             </a:endParaRPr>
           </a:p>
         </p:txBody>
@@ -3629,7 +3587,7 @@
           <p:nvPr/>
         </p:nvPicPr>
         <p:blipFill>
-          <a:blip r:embed="rId2" cstate="print"/>
+          <a:blip r:embed="rId1" cstate="print"/>
           <a:stretch>
             <a:fillRect/>
           </a:stretch>
@@ -3718,6 +3676,7 @@
               <a:rPr spc="-10" dirty="0"/>
               <a:t>OUTCOMES</a:t>
             </a:r>
+            <a:endParaRPr spc="-10" dirty="0"/>
           </a:p>
         </p:txBody>
       </p:sp>
@@ -3746,7 +3705,7 @@
           </a:bodyPr>
           <a:lstStyle/>
           <a:p>
-            <a:pPr marL="290830" marR="196215" indent="29209">
+            <a:pPr marL="290830" marR="196215" indent="29210">
               <a:lnSpc>
                 <a:spcPts val="3030"/>
               </a:lnSpc>
@@ -3893,7 +3852,7 @@
             <a:endParaRPr sz="2800" dirty="0"/>
           </a:p>
           <a:p>
-            <a:pPr marL="290830" marR="5080" indent="29209">
+            <a:pPr marL="290830" marR="5080" indent="29210">
               <a:lnSpc>
                 <a:spcPts val="3020"/>
               </a:lnSpc>
@@ -4239,6 +4198,7 @@
               <a:rPr spc="-10" dirty="0"/>
               <a:t>(CONT.)</a:t>
             </a:r>
+            <a:endParaRPr spc="-10" dirty="0"/>
           </a:p>
         </p:txBody>
       </p:sp>
@@ -4840,6 +4800,7 @@
               <a:rPr spc="-10" dirty="0"/>
               <a:t>(CONT.)</a:t>
             </a:r>
+            <a:endParaRPr spc="-10" dirty="0"/>
           </a:p>
         </p:txBody>
       </p:sp>
@@ -4850,7 +4811,7 @@
           <p:nvPr/>
         </p:nvPicPr>
         <p:blipFill>
-          <a:blip r:embed="rId2" cstate="print"/>
+          <a:blip r:embed="rId1" cstate="print"/>
           <a:stretch>
             <a:fillRect/>
           </a:stretch>
@@ -4896,147 +4857,147 @@
             </a:pPr>
             <a:r>
               <a:rPr sz="1800" dirty="0">
-                <a:latin typeface="Arial"/>
-                <a:cs typeface="Arial"/>
+                <a:latin typeface="Arial" panose="020B0704020202020204"/>
+                <a:cs typeface="Arial" panose="020B0704020202020204"/>
               </a:rPr>
               <a:t>Information</a:t>
             </a:r>
             <a:r>
               <a:rPr sz="1800" spc="-35" dirty="0">
-                <a:latin typeface="Arial"/>
-                <a:cs typeface="Arial"/>
+                <a:latin typeface="Arial" panose="020B0704020202020204"/>
+                <a:cs typeface="Arial" panose="020B0704020202020204"/>
               </a:rPr>
               <a:t> </a:t>
             </a:r>
             <a:r>
               <a:rPr sz="1800" dirty="0">
-                <a:latin typeface="Arial"/>
-                <a:cs typeface="Arial"/>
+                <a:latin typeface="Arial" panose="020B0704020202020204"/>
+                <a:cs typeface="Arial" panose="020B0704020202020204"/>
               </a:rPr>
               <a:t>systems</a:t>
             </a:r>
             <a:r>
               <a:rPr sz="1800" spc="-20" dirty="0">
-                <a:latin typeface="Arial"/>
-                <a:cs typeface="Arial"/>
+                <a:latin typeface="Arial" panose="020B0704020202020204"/>
+                <a:cs typeface="Arial" panose="020B0704020202020204"/>
               </a:rPr>
               <a:t> </a:t>
             </a:r>
             <a:r>
               <a:rPr sz="1800" dirty="0">
-                <a:latin typeface="Arial"/>
-                <a:cs typeface="Arial"/>
+                <a:latin typeface="Arial" panose="020B0704020202020204"/>
+                <a:cs typeface="Arial" panose="020B0704020202020204"/>
               </a:rPr>
               <a:t>development</a:t>
             </a:r>
             <a:r>
               <a:rPr sz="1800" spc="-40" dirty="0">
-                <a:latin typeface="Arial"/>
-                <a:cs typeface="Arial"/>
+                <a:latin typeface="Arial" panose="020B0704020202020204"/>
+                <a:cs typeface="Arial" panose="020B0704020202020204"/>
               </a:rPr>
               <a:t> </a:t>
             </a:r>
             <a:r>
               <a:rPr sz="1800" dirty="0">
-                <a:latin typeface="Arial"/>
-                <a:cs typeface="Arial"/>
+                <a:latin typeface="Arial" panose="020B0704020202020204"/>
+                <a:cs typeface="Arial" panose="020B0704020202020204"/>
               </a:rPr>
               <a:t>projects</a:t>
             </a:r>
             <a:r>
               <a:rPr sz="1800" spc="-30" dirty="0">
-                <a:latin typeface="Arial"/>
-                <a:cs typeface="Arial"/>
+                <a:latin typeface="Arial" panose="020B0704020202020204"/>
+                <a:cs typeface="Arial" panose="020B0704020202020204"/>
               </a:rPr>
               <a:t> </a:t>
             </a:r>
             <a:r>
               <a:rPr sz="1800" dirty="0">
-                <a:latin typeface="Arial"/>
-                <a:cs typeface="Arial"/>
+                <a:latin typeface="Arial" panose="020B0704020202020204"/>
+                <a:cs typeface="Arial" panose="020B0704020202020204"/>
               </a:rPr>
               <a:t>come</a:t>
             </a:r>
             <a:r>
               <a:rPr sz="1800" spc="-20" dirty="0">
-                <a:latin typeface="Arial"/>
-                <a:cs typeface="Arial"/>
+                <a:latin typeface="Arial" panose="020B0704020202020204"/>
+                <a:cs typeface="Arial" panose="020B0704020202020204"/>
               </a:rPr>
               <a:t> from </a:t>
             </a:r>
             <a:r>
               <a:rPr sz="1800" dirty="0">
-                <a:latin typeface="Arial"/>
-                <a:cs typeface="Arial"/>
+                <a:latin typeface="Arial" panose="020B0704020202020204"/>
+                <a:cs typeface="Arial" panose="020B0704020202020204"/>
               </a:rPr>
               <a:t>both</a:t>
             </a:r>
             <a:r>
               <a:rPr sz="1800" spc="10" dirty="0">
-                <a:latin typeface="Arial"/>
-                <a:cs typeface="Arial"/>
+                <a:latin typeface="Arial" panose="020B0704020202020204"/>
+                <a:cs typeface="Arial" panose="020B0704020202020204"/>
               </a:rPr>
               <a:t> </a:t>
             </a:r>
             <a:r>
               <a:rPr sz="1800" spc="-10" dirty="0">
-                <a:latin typeface="Arial"/>
-                <a:cs typeface="Arial"/>
+                <a:latin typeface="Arial" panose="020B0704020202020204"/>
+                <a:cs typeface="Arial" panose="020B0704020202020204"/>
               </a:rPr>
               <a:t>top-</a:t>
             </a:r>
             <a:r>
               <a:rPr sz="1800" dirty="0">
-                <a:latin typeface="Arial"/>
-                <a:cs typeface="Arial"/>
+                <a:latin typeface="Arial" panose="020B0704020202020204"/>
+                <a:cs typeface="Arial" panose="020B0704020202020204"/>
               </a:rPr>
               <a:t>down</a:t>
             </a:r>
             <a:r>
               <a:rPr sz="1800" spc="-5" dirty="0">
-                <a:latin typeface="Arial"/>
-                <a:cs typeface="Arial"/>
+                <a:latin typeface="Arial" panose="020B0704020202020204"/>
+                <a:cs typeface="Arial" panose="020B0704020202020204"/>
               </a:rPr>
               <a:t> </a:t>
             </a:r>
             <a:r>
               <a:rPr sz="1800" dirty="0">
-                <a:latin typeface="Arial"/>
-                <a:cs typeface="Arial"/>
+                <a:latin typeface="Arial" panose="020B0704020202020204"/>
+                <a:cs typeface="Arial" panose="020B0704020202020204"/>
               </a:rPr>
               <a:t>and</a:t>
             </a:r>
             <a:r>
               <a:rPr sz="1800" spc="10" dirty="0">
-                <a:latin typeface="Arial"/>
-                <a:cs typeface="Arial"/>
+                <a:latin typeface="Arial" panose="020B0704020202020204"/>
+                <a:cs typeface="Arial" panose="020B0704020202020204"/>
               </a:rPr>
               <a:t> </a:t>
             </a:r>
             <a:r>
               <a:rPr sz="1800" spc="-10" dirty="0">
-                <a:latin typeface="Arial"/>
-                <a:cs typeface="Arial"/>
+                <a:latin typeface="Arial" panose="020B0704020202020204"/>
+                <a:cs typeface="Arial" panose="020B0704020202020204"/>
               </a:rPr>
               <a:t>bottom-</a:t>
             </a:r>
             <a:r>
               <a:rPr sz="1800" dirty="0">
-                <a:latin typeface="Arial"/>
-                <a:cs typeface="Arial"/>
+                <a:latin typeface="Arial" panose="020B0704020202020204"/>
+                <a:cs typeface="Arial" panose="020B0704020202020204"/>
               </a:rPr>
               <a:t>up </a:t>
             </a:r>
             <a:r>
               <a:rPr sz="1800" spc="-10" dirty="0">
-                <a:latin typeface="Arial"/>
-                <a:cs typeface="Arial"/>
+                <a:latin typeface="Arial" panose="020B0704020202020204"/>
+                <a:cs typeface="Arial" panose="020B0704020202020204"/>
               </a:rPr>
               <a:t>initiatives.</a:t>
             </a:r>
             <a:endParaRPr sz="1800">
-              <a:latin typeface="Arial"/>
-              <a:cs typeface="Arial"/>
+              <a:latin typeface="Arial" panose="020B0704020202020204"/>
+              <a:cs typeface="Arial" panose="020B0704020202020204"/>
             </a:endParaRPr>
           </a:p>
         </p:txBody>
@@ -5156,7 +5117,7 @@
           </a:bodyPr>
           <a:lstStyle/>
           <a:p>
-            <a:pPr marL="12700" marR="5080" indent="29209">
+            <a:pPr marL="12700" marR="5080" indent="29210">
               <a:lnSpc>
                 <a:spcPts val="3030"/>
               </a:lnSpc>
@@ -5456,8 +5417,8 @@
                 <a:solidFill>
                   <a:srgbClr val="1CACE3"/>
                 </a:solidFill>
-                <a:latin typeface="Wingdings 3"/>
-                <a:cs typeface="Wingdings 3"/>
+                <a:latin typeface="Wingdings 3" panose="05040102010807070707"/>
+                <a:cs typeface="Wingdings 3" panose="05040102010807070707"/>
               </a:rPr>
               <a:t></a:t>
             </a:r>
@@ -5466,8 +5427,8 @@
                 <a:solidFill>
                   <a:srgbClr val="1CACE3"/>
                 </a:solidFill>
-                <a:latin typeface="Times New Roman"/>
-                <a:cs typeface="Times New Roman"/>
+                <a:latin typeface="Times New Roman" panose="02020603050405020304"/>
+                <a:cs typeface="Times New Roman" panose="02020603050405020304"/>
               </a:rPr>
               <a:t>	</a:t>
             </a:r>
@@ -5545,7 +5506,7 @@
                 <a:spcPct val="100000"/>
               </a:lnSpc>
               <a:spcBef>
-                <a:spcPts val="254"/>
+                <a:spcPts val="255"/>
               </a:spcBef>
               <a:tabLst>
                 <a:tab pos="857885" algn="l"/>
@@ -5556,8 +5517,8 @@
                 <a:solidFill>
                   <a:srgbClr val="1CACE3"/>
                 </a:solidFill>
-                <a:latin typeface="Wingdings 3"/>
-                <a:cs typeface="Wingdings 3"/>
+                <a:latin typeface="Wingdings 3" panose="05040102010807070707"/>
+                <a:cs typeface="Wingdings 3" panose="05040102010807070707"/>
               </a:rPr>
               <a:t></a:t>
             </a:r>
@@ -5566,8 +5527,8 @@
                 <a:solidFill>
                   <a:srgbClr val="1CACE3"/>
                 </a:solidFill>
-                <a:latin typeface="Times New Roman"/>
-                <a:cs typeface="Times New Roman"/>
+                <a:latin typeface="Times New Roman" panose="02020603050405020304"/>
+                <a:cs typeface="Times New Roman" panose="02020603050405020304"/>
               </a:rPr>
               <a:t>	</a:t>
             </a:r>
@@ -5750,7 +5711,7 @@
           </a:bodyPr>
           <a:lstStyle/>
           <a:p>
-            <a:pPr marL="12700" marR="5080" indent="29209">
+            <a:pPr marL="12700" marR="5080" indent="29210">
               <a:lnSpc>
                 <a:spcPts val="3030"/>
               </a:lnSpc>
@@ -6177,7 +6138,7 @@
                 <a:spcPts val="4130"/>
               </a:lnSpc>
               <a:spcBef>
-                <a:spcPts val="254"/>
+                <a:spcPts val="255"/>
               </a:spcBef>
             </a:pPr>
             <a:r>
@@ -6535,6 +6496,7 @@
               <a:rPr spc="50" dirty="0"/>
               <a:t>PLANNING</a:t>
             </a:r>
+            <a:endParaRPr spc="50" dirty="0"/>
           </a:p>
         </p:txBody>
       </p:sp>
@@ -6842,7 +6804,7 @@
                 <a:spcPct val="100000"/>
               </a:lnSpc>
               <a:spcBef>
-                <a:spcPts val="219"/>
+                <a:spcPts val="220"/>
               </a:spcBef>
             </a:pPr>
             <a:r>
@@ -6850,8 +6812,8 @@
                 <a:solidFill>
                   <a:srgbClr val="1CACE3"/>
                 </a:solidFill>
-                <a:latin typeface="Wingdings 3"/>
-                <a:cs typeface="Wingdings 3"/>
+                <a:latin typeface="Wingdings 3" panose="05040102010807070707"/>
+                <a:cs typeface="Wingdings 3" panose="05040102010807070707"/>
               </a:rPr>
               <a:t></a:t>
             </a:r>
@@ -6860,8 +6822,8 @@
                 <a:solidFill>
                   <a:srgbClr val="1CACE3"/>
                 </a:solidFill>
-                <a:latin typeface="Times New Roman"/>
-                <a:cs typeface="Times New Roman"/>
+                <a:latin typeface="Times New Roman" panose="02020603050405020304"/>
+                <a:cs typeface="Times New Roman" panose="02020603050405020304"/>
               </a:rPr>
               <a:t> </a:t>
             </a:r>
@@ -6905,8 +6867,8 @@
                 <a:solidFill>
                   <a:srgbClr val="1CACE3"/>
                 </a:solidFill>
-                <a:latin typeface="Wingdings 3"/>
-                <a:cs typeface="Wingdings 3"/>
+                <a:latin typeface="Wingdings 3" panose="05040102010807070707"/>
+                <a:cs typeface="Wingdings 3" panose="05040102010807070707"/>
               </a:rPr>
               <a:t></a:t>
             </a:r>
@@ -6915,8 +6877,8 @@
                 <a:solidFill>
                   <a:srgbClr val="1CACE3"/>
                 </a:solidFill>
-                <a:latin typeface="Times New Roman"/>
-                <a:cs typeface="Times New Roman"/>
+                <a:latin typeface="Times New Roman" panose="02020603050405020304"/>
+                <a:cs typeface="Times New Roman" panose="02020603050405020304"/>
               </a:rPr>
               <a:t> </a:t>
             </a:r>
@@ -6960,8 +6922,8 @@
                 <a:solidFill>
                   <a:srgbClr val="1CACE3"/>
                 </a:solidFill>
-                <a:latin typeface="Wingdings 3"/>
-                <a:cs typeface="Wingdings 3"/>
+                <a:latin typeface="Wingdings 3" panose="05040102010807070707"/>
+                <a:cs typeface="Wingdings 3" panose="05040102010807070707"/>
               </a:rPr>
               <a:t></a:t>
             </a:r>
@@ -6970,8 +6932,8 @@
                 <a:solidFill>
                   <a:srgbClr val="1CACE3"/>
                 </a:solidFill>
-                <a:latin typeface="Times New Roman"/>
-                <a:cs typeface="Times New Roman"/>
+                <a:latin typeface="Times New Roman" panose="02020603050405020304"/>
+                <a:cs typeface="Times New Roman" panose="02020603050405020304"/>
               </a:rPr>
               <a:t> </a:t>
             </a:r>
@@ -7038,7 +7000,7 @@
           <p:nvPr/>
         </p:nvPicPr>
         <p:blipFill>
-          <a:blip r:embed="rId2" cstate="print"/>
+          <a:blip r:embed="rId1" cstate="print"/>
           <a:stretch>
             <a:fillRect/>
           </a:stretch>
@@ -7084,91 +7046,91 @@
             </a:pPr>
             <a:r>
               <a:rPr sz="1800" dirty="0">
-                <a:latin typeface="Arial"/>
-                <a:cs typeface="Arial"/>
+                <a:latin typeface="Arial" panose="020B0704020202020204"/>
+                <a:cs typeface="Arial" panose="020B0704020202020204"/>
               </a:rPr>
               <a:t>Corporate</a:t>
             </a:r>
             <a:r>
               <a:rPr sz="1800" spc="-45" dirty="0">
-                <a:latin typeface="Arial"/>
-                <a:cs typeface="Arial"/>
+                <a:latin typeface="Arial" panose="020B0704020202020204"/>
+                <a:cs typeface="Arial" panose="020B0704020202020204"/>
               </a:rPr>
               <a:t> </a:t>
             </a:r>
             <a:r>
               <a:rPr sz="1800" spc="-10" dirty="0">
-                <a:latin typeface="Arial"/>
-                <a:cs typeface="Arial"/>
+                <a:latin typeface="Arial" panose="020B0704020202020204"/>
+                <a:cs typeface="Arial" panose="020B0704020202020204"/>
               </a:rPr>
               <a:t>strategic </a:t>
             </a:r>
             <a:r>
               <a:rPr sz="1800" dirty="0">
-                <a:latin typeface="Arial"/>
-                <a:cs typeface="Arial"/>
+                <a:latin typeface="Arial" panose="020B0704020202020204"/>
+                <a:cs typeface="Arial" panose="020B0704020202020204"/>
               </a:rPr>
               <a:t>planning</a:t>
             </a:r>
             <a:r>
               <a:rPr sz="1800" spc="-30" dirty="0">
-                <a:latin typeface="Arial"/>
-                <a:cs typeface="Arial"/>
+                <a:latin typeface="Arial" panose="020B0704020202020204"/>
+                <a:cs typeface="Arial" panose="020B0704020202020204"/>
               </a:rPr>
               <a:t> </a:t>
             </a:r>
             <a:r>
               <a:rPr sz="1800" dirty="0">
-                <a:latin typeface="Arial"/>
-                <a:cs typeface="Arial"/>
+                <a:latin typeface="Arial" panose="020B0704020202020204"/>
+                <a:cs typeface="Arial" panose="020B0704020202020204"/>
               </a:rPr>
               <a:t>is</a:t>
             </a:r>
             <a:r>
               <a:rPr sz="1800" spc="-10" dirty="0">
-                <a:latin typeface="Arial"/>
-                <a:cs typeface="Arial"/>
+                <a:latin typeface="Arial" panose="020B0704020202020204"/>
+                <a:cs typeface="Arial" panose="020B0704020202020204"/>
               </a:rPr>
               <a:t> </a:t>
             </a:r>
             <a:r>
               <a:rPr sz="1800" dirty="0">
-                <a:latin typeface="Arial"/>
-                <a:cs typeface="Arial"/>
+                <a:latin typeface="Arial" panose="020B0704020202020204"/>
+                <a:cs typeface="Arial" panose="020B0704020202020204"/>
               </a:rPr>
               <a:t>a</a:t>
             </a:r>
             <a:r>
               <a:rPr sz="1800" spc="-15" dirty="0">
-                <a:latin typeface="Arial"/>
-                <a:cs typeface="Arial"/>
+                <a:latin typeface="Arial" panose="020B0704020202020204"/>
+                <a:cs typeface="Arial" panose="020B0704020202020204"/>
               </a:rPr>
               <a:t> </a:t>
             </a:r>
             <a:r>
               <a:rPr sz="1800" dirty="0">
-                <a:latin typeface="Arial"/>
-                <a:cs typeface="Arial"/>
+                <a:latin typeface="Arial" panose="020B0704020202020204"/>
+                <a:cs typeface="Arial" panose="020B0704020202020204"/>
               </a:rPr>
               <a:t>three</a:t>
             </a:r>
             <a:r>
               <a:rPr sz="1800" spc="-20" dirty="0">
-                <a:latin typeface="Arial"/>
-                <a:cs typeface="Arial"/>
+                <a:latin typeface="Arial" panose="020B0704020202020204"/>
+                <a:cs typeface="Arial" panose="020B0704020202020204"/>
               </a:rPr>
               <a:t> step </a:t>
             </a:r>
             <a:r>
               <a:rPr sz="1800" spc="-10" dirty="0">
-                <a:latin typeface="Arial"/>
-                <a:cs typeface="Arial"/>
+                <a:latin typeface="Arial" panose="020B0704020202020204"/>
+                <a:cs typeface="Arial" panose="020B0704020202020204"/>
               </a:rPr>
               <a:t>Process.</a:t>
             </a:r>
             <a:endParaRPr sz="1800">
-              <a:latin typeface="Arial"/>
-              <a:cs typeface="Arial"/>
+              <a:latin typeface="Arial" panose="020B0704020202020204"/>
+              <a:cs typeface="Arial" panose="020B0704020202020204"/>
             </a:endParaRPr>
           </a:p>
         </p:txBody>
@@ -7239,6 +7201,7 @@
               <a:rPr spc="40" dirty="0"/>
               <a:t>OBJECTIVES</a:t>
             </a:r>
+            <a:endParaRPr spc="40" dirty="0"/>
           </a:p>
         </p:txBody>
       </p:sp>
@@ -7273,8 +7236,8 @@
               <a:buClr>
                 <a:srgbClr val="B92112"/>
               </a:buClr>
-              <a:buSzPct val="96428"/>
-              <a:buFont typeface="Wingdings"/>
+              <a:buSzPct val="96000"/>
+              <a:buFont typeface="Wingdings" panose="05000000000000000000"/>
               <a:buChar char=""/>
               <a:tabLst>
                 <a:tab pos="292100" algn="l"/>
@@ -7457,8 +7420,8 @@
               <a:buClr>
                 <a:srgbClr val="B92112"/>
               </a:buClr>
-              <a:buSzPct val="96428"/>
-              <a:buFont typeface="Wingdings"/>
+              <a:buSzPct val="96000"/>
+              <a:buFont typeface="Wingdings" panose="05000000000000000000"/>
               <a:buChar char=""/>
               <a:tabLst>
                 <a:tab pos="81280" algn="l"/>
@@ -7678,8 +7641,8 @@
               <a:buClr>
                 <a:srgbClr val="B92112"/>
               </a:buClr>
-              <a:buSzPct val="96428"/>
-              <a:buFont typeface="Wingdings"/>
+              <a:buSzPct val="96000"/>
+              <a:buFont typeface="Wingdings" panose="05000000000000000000"/>
               <a:buChar char=""/>
               <a:tabLst>
                 <a:tab pos="81280" algn="l"/>
@@ -8102,7 +8065,7 @@
           <a:p>
             <a:pPr marL="12700" marR="5080" indent="12065">
               <a:lnSpc>
-                <a:spcPct val="93800"/>
+                <a:spcPct val="94000"/>
               </a:lnSpc>
               <a:spcBef>
                 <a:spcPts val="400"/>
@@ -8426,56 +8389,56 @@
             </a:pPr>
             <a:r>
               <a:rPr sz="1800" dirty="0">
-                <a:latin typeface="Arial"/>
-                <a:cs typeface="Arial"/>
+                <a:latin typeface="Arial" panose="020B0704020202020204"/>
+                <a:cs typeface="Arial" panose="020B0704020202020204"/>
               </a:rPr>
               <a:t>Mission</a:t>
             </a:r>
             <a:r>
               <a:rPr sz="1800" spc="-40" dirty="0">
-                <a:latin typeface="Arial"/>
-                <a:cs typeface="Arial"/>
+                <a:latin typeface="Arial" panose="020B0704020202020204"/>
+                <a:cs typeface="Arial" panose="020B0704020202020204"/>
               </a:rPr>
               <a:t> </a:t>
             </a:r>
             <a:r>
               <a:rPr sz="1800" dirty="0">
-                <a:latin typeface="Arial"/>
-                <a:cs typeface="Arial"/>
+                <a:latin typeface="Arial" panose="020B0704020202020204"/>
+                <a:cs typeface="Arial" panose="020B0704020202020204"/>
               </a:rPr>
               <a:t>statement</a:t>
             </a:r>
             <a:r>
               <a:rPr sz="1800" spc="-30" dirty="0">
-                <a:latin typeface="Arial"/>
-                <a:cs typeface="Arial"/>
+                <a:latin typeface="Arial" panose="020B0704020202020204"/>
+                <a:cs typeface="Arial" panose="020B0704020202020204"/>
               </a:rPr>
               <a:t> </a:t>
             </a:r>
             <a:r>
               <a:rPr sz="1800" dirty="0">
-                <a:latin typeface="Arial"/>
-                <a:cs typeface="Arial"/>
+                <a:latin typeface="Arial" panose="020B0704020202020204"/>
+                <a:cs typeface="Arial" panose="020B0704020202020204"/>
               </a:rPr>
               <a:t>(Pine</a:t>
             </a:r>
             <a:r>
               <a:rPr sz="1800" spc="-40" dirty="0">
-                <a:latin typeface="Arial"/>
-                <a:cs typeface="Arial"/>
+                <a:latin typeface="Arial" panose="020B0704020202020204"/>
+                <a:cs typeface="Arial" panose="020B0704020202020204"/>
               </a:rPr>
               <a:t> </a:t>
             </a:r>
             <a:r>
               <a:rPr sz="1800" spc="-10" dirty="0">
-                <a:latin typeface="Arial"/>
-                <a:cs typeface="Arial"/>
+                <a:latin typeface="Arial" panose="020B0704020202020204"/>
+                <a:cs typeface="Arial" panose="020B0704020202020204"/>
               </a:rPr>
               <a:t>Valley Furniture)</a:t>
             </a:r>
             <a:endParaRPr sz="1800">
-              <a:latin typeface="Arial"/>
-              <a:cs typeface="Arial"/>
+              <a:latin typeface="Arial" panose="020B0704020202020204"/>
+              <a:cs typeface="Arial" panose="020B0704020202020204"/>
             </a:endParaRPr>
           </a:p>
         </p:txBody>
@@ -8487,7 +8450,7 @@
           <p:nvPr/>
         </p:nvPicPr>
         <p:blipFill>
-          <a:blip r:embed="rId2" cstate="print"/>
+          <a:blip r:embed="rId1" cstate="print"/>
           <a:stretch>
             <a:fillRect/>
           </a:stretch>
@@ -9236,49 +9199,49 @@
             </a:pPr>
             <a:r>
               <a:rPr sz="1800" dirty="0">
-                <a:latin typeface="Arial"/>
-                <a:cs typeface="Arial"/>
+                <a:latin typeface="Arial" panose="020B0704020202020204"/>
+                <a:cs typeface="Arial" panose="020B0704020202020204"/>
               </a:rPr>
               <a:t>Statement </a:t>
             </a:r>
             <a:r>
               <a:rPr sz="1800" spc="-25" dirty="0">
-                <a:latin typeface="Arial"/>
-                <a:cs typeface="Arial"/>
+                <a:latin typeface="Arial" panose="020B0704020202020204"/>
+                <a:cs typeface="Arial" panose="020B0704020202020204"/>
               </a:rPr>
               <a:t>of </a:t>
             </a:r>
             <a:r>
               <a:rPr sz="1800" spc="-10" dirty="0">
-                <a:latin typeface="Arial"/>
-                <a:cs typeface="Arial"/>
+                <a:latin typeface="Arial" panose="020B0704020202020204"/>
+                <a:cs typeface="Arial" panose="020B0704020202020204"/>
               </a:rPr>
               <a:t>Corporate Objectives </a:t>
             </a:r>
             <a:r>
               <a:rPr sz="1800" dirty="0">
-                <a:latin typeface="Arial"/>
-                <a:cs typeface="Arial"/>
+                <a:latin typeface="Arial" panose="020B0704020202020204"/>
+                <a:cs typeface="Arial" panose="020B0704020202020204"/>
               </a:rPr>
               <a:t>(Pine</a:t>
             </a:r>
             <a:r>
               <a:rPr sz="1800" spc="-20" dirty="0">
-                <a:latin typeface="Arial"/>
-                <a:cs typeface="Arial"/>
+                <a:latin typeface="Arial" panose="020B0704020202020204"/>
+                <a:cs typeface="Arial" panose="020B0704020202020204"/>
               </a:rPr>
               <a:t> </a:t>
             </a:r>
             <a:r>
               <a:rPr sz="1800" spc="-10" dirty="0">
-                <a:latin typeface="Arial"/>
-                <a:cs typeface="Arial"/>
+                <a:latin typeface="Arial" panose="020B0704020202020204"/>
+                <a:cs typeface="Arial" panose="020B0704020202020204"/>
               </a:rPr>
               <a:t>Valley Furniture)</a:t>
             </a:r>
             <a:endParaRPr sz="1800">
-              <a:latin typeface="Arial"/>
-              <a:cs typeface="Arial"/>
+              <a:latin typeface="Arial" panose="020B0704020202020204"/>
+              <a:cs typeface="Arial" panose="020B0704020202020204"/>
             </a:endParaRPr>
           </a:p>
         </p:txBody>
@@ -9290,7 +9253,7 @@
           <p:nvPr/>
         </p:nvPicPr>
         <p:blipFill>
-          <a:blip r:embed="rId2" cstate="print"/>
+          <a:blip r:embed="rId1" cstate="print"/>
           <a:stretch>
             <a:fillRect/>
           </a:stretch>
@@ -9555,8 +9518,8 @@
                 <a:solidFill>
                   <a:srgbClr val="1CACE3"/>
                 </a:solidFill>
-                <a:latin typeface="Wingdings 3"/>
-                <a:cs typeface="Wingdings 3"/>
+                <a:latin typeface="Wingdings 3" panose="05040102010807070707"/>
+                <a:cs typeface="Wingdings 3" panose="05040102010807070707"/>
               </a:rPr>
               <a:t></a:t>
             </a:r>
@@ -9565,8 +9528,8 @@
                 <a:solidFill>
                   <a:srgbClr val="1CACE3"/>
                 </a:solidFill>
-                <a:latin typeface="Times New Roman"/>
-                <a:cs typeface="Times New Roman"/>
+                <a:latin typeface="Times New Roman" panose="02020603050405020304"/>
+                <a:cs typeface="Times New Roman" panose="02020603050405020304"/>
               </a:rPr>
               <a:t> </a:t>
             </a:r>
@@ -9603,8 +9566,8 @@
               <a:t>producer</a:t>
             </a:r>
             <a:endParaRPr sz="2000">
-              <a:latin typeface="Times New Roman"/>
-              <a:cs typeface="Times New Roman"/>
+              <a:latin typeface="Times New Roman" panose="02020603050405020304"/>
+              <a:cs typeface="Times New Roman" panose="02020603050405020304"/>
             </a:endParaRPr>
           </a:p>
           <a:p>
@@ -9621,8 +9584,8 @@
                 <a:solidFill>
                   <a:srgbClr val="1CACE3"/>
                 </a:solidFill>
-                <a:latin typeface="Wingdings 3"/>
-                <a:cs typeface="Wingdings 3"/>
+                <a:latin typeface="Wingdings 3" panose="05040102010807070707"/>
+                <a:cs typeface="Wingdings 3" panose="05040102010807070707"/>
               </a:rPr>
               <a:t></a:t>
             </a:r>
@@ -9631,8 +9594,8 @@
                 <a:solidFill>
                   <a:srgbClr val="1CACE3"/>
                 </a:solidFill>
-                <a:latin typeface="Times New Roman"/>
-                <a:cs typeface="Times New Roman"/>
+                <a:latin typeface="Times New Roman" panose="02020603050405020304"/>
+                <a:cs typeface="Times New Roman" panose="02020603050405020304"/>
               </a:rPr>
               <a:t> </a:t>
             </a:r>
@@ -9661,8 +9624,8 @@
               <a:t>differentiation</a:t>
             </a:r>
             <a:endParaRPr sz="2000">
-              <a:latin typeface="Times New Roman"/>
-              <a:cs typeface="Times New Roman"/>
+              <a:latin typeface="Times New Roman" panose="02020603050405020304"/>
+              <a:cs typeface="Times New Roman" panose="02020603050405020304"/>
             </a:endParaRPr>
           </a:p>
           <a:p>
@@ -9671,7 +9634,7 @@
                 <a:spcPct val="100000"/>
               </a:lnSpc>
               <a:spcBef>
-                <a:spcPts val="259"/>
+                <a:spcPts val="260"/>
               </a:spcBef>
             </a:pPr>
             <a:r>
@@ -9679,8 +9642,8 @@
                 <a:solidFill>
                   <a:srgbClr val="1CACE3"/>
                 </a:solidFill>
-                <a:latin typeface="Wingdings 3"/>
-                <a:cs typeface="Wingdings 3"/>
+                <a:latin typeface="Wingdings 3" panose="05040102010807070707"/>
+                <a:cs typeface="Wingdings 3" panose="05040102010807070707"/>
               </a:rPr>
               <a:t></a:t>
             </a:r>
@@ -9689,8 +9652,8 @@
                 <a:solidFill>
                   <a:srgbClr val="1CACE3"/>
                 </a:solidFill>
-                <a:latin typeface="Times New Roman"/>
-                <a:cs typeface="Times New Roman"/>
+                <a:latin typeface="Times New Roman" panose="02020603050405020304"/>
+                <a:cs typeface="Times New Roman" panose="02020603050405020304"/>
               </a:rPr>
               <a:t> </a:t>
             </a:r>
@@ -9751,8 +9714,8 @@
               <a:t>niche</a:t>
             </a:r>
             <a:endParaRPr sz="2000">
-              <a:latin typeface="Times New Roman"/>
-              <a:cs typeface="Times New Roman"/>
+              <a:latin typeface="Times New Roman" panose="02020603050405020304"/>
+              <a:cs typeface="Times New Roman" panose="02020603050405020304"/>
             </a:endParaRPr>
           </a:p>
         </p:txBody>
@@ -9839,6 +9802,7 @@
               <a:rPr spc="-10" dirty="0"/>
               <a:t>(CONT.)</a:t>
             </a:r>
+            <a:endParaRPr spc="-10" dirty="0"/>
           </a:p>
         </p:txBody>
       </p:sp>
@@ -9849,7 +9813,7 @@
           <p:nvPr/>
         </p:nvPicPr>
         <p:blipFill>
-          <a:blip r:embed="rId2" cstate="print"/>
+          <a:blip r:embed="rId1" cstate="print"/>
           <a:stretch>
             <a:fillRect/>
           </a:stretch>
@@ -10742,20 +10706,14 @@
       </p:sp>
       <p:pic>
         <p:nvPicPr>
-          <p:cNvPr id="6" name="Picture 5">
-            <a:extLst>
-              <a:ext uri="{FF2B5EF4-FFF2-40B4-BE49-F238E27FC236}">
-                <a16:creationId xmlns:a16="http://schemas.microsoft.com/office/drawing/2014/main" id="{9EC10083-1C43-52CC-147C-FB5D1DEC6088}"/>
-              </a:ext>
-            </a:extLst>
-          </p:cNvPr>
+          <p:cNvPr id="6" name="Picture 5"/>
           <p:cNvPicPr>
             <a:picLocks noChangeAspect="1"/>
           </p:cNvPicPr>
           <p:nvPr/>
         </p:nvPicPr>
         <p:blipFill>
-          <a:blip r:embed="rId2"/>
+          <a:blip r:embed="rId1"/>
           <a:stretch>
             <a:fillRect/>
           </a:stretch>
@@ -10772,13 +10730,7 @@
       </p:pic>
       <p:sp>
         <p:nvSpPr>
-          <p:cNvPr id="7" name="TextBox 6">
-            <a:extLst>
-              <a:ext uri="{FF2B5EF4-FFF2-40B4-BE49-F238E27FC236}">
-                <a16:creationId xmlns:a16="http://schemas.microsoft.com/office/drawing/2014/main" id="{FDFD6179-913C-7BDB-F6D0-F26EDC58164F}"/>
-              </a:ext>
-            </a:extLst>
-          </p:cNvPr>
+          <p:cNvPr id="7" name="TextBox 6"/>
           <p:cNvSpPr txBox="1"/>
           <p:nvPr/>
         </p:nvSpPr>
@@ -10808,6 +10760,13 @@
               </a:rPr>
               <a:t>Information systems planning is a three-step process</a:t>
             </a:r>
+            <a:endParaRPr lang="en-MY" dirty="0">
+              <a:solidFill>
+                <a:schemeClr val="accent3">
+                  <a:lumMod val="75000"/>
+                </a:schemeClr>
+              </a:solidFill>
+            </a:endParaRPr>
           </a:p>
         </p:txBody>
       </p:sp>
@@ -10843,7 +10802,7 @@
           <p:nvPr/>
         </p:nvPicPr>
         <p:blipFill>
-          <a:blip r:embed="rId2" cstate="print"/>
+          <a:blip r:embed="rId1" cstate="print"/>
           <a:stretch>
             <a:fillRect/>
           </a:stretch>
@@ -10879,7 +10838,7 @@
           </a:bodyPr>
           <a:lstStyle/>
           <a:p>
-            <a:pPr marL="217804">
+            <a:pPr marL="217805">
               <a:lnSpc>
                 <a:spcPct val="100000"/>
               </a:lnSpc>
@@ -10950,84 +10909,84 @@
             </a:pPr>
             <a:r>
               <a:rPr sz="1800" dirty="0">
-                <a:latin typeface="Arial"/>
-                <a:cs typeface="Arial"/>
+                <a:latin typeface="Arial" panose="020B0704020202020204"/>
+                <a:cs typeface="Arial" panose="020B0704020202020204"/>
               </a:rPr>
               <a:t>Parallel</a:t>
             </a:r>
             <a:r>
               <a:rPr sz="1800" spc="-40" dirty="0">
-                <a:latin typeface="Arial"/>
-                <a:cs typeface="Arial"/>
+                <a:latin typeface="Arial" panose="020B0704020202020204"/>
+                <a:cs typeface="Arial" panose="020B0704020202020204"/>
               </a:rPr>
               <a:t> </a:t>
             </a:r>
             <a:r>
               <a:rPr sz="1800" spc="-10" dirty="0">
-                <a:latin typeface="Arial"/>
-                <a:cs typeface="Arial"/>
+                <a:latin typeface="Arial" panose="020B0704020202020204"/>
+                <a:cs typeface="Arial" panose="020B0704020202020204"/>
               </a:rPr>
               <a:t>activities </a:t>
             </a:r>
             <a:r>
               <a:rPr sz="1800" dirty="0">
-                <a:latin typeface="Arial"/>
-                <a:cs typeface="Arial"/>
+                <a:latin typeface="Arial" panose="020B0704020202020204"/>
+                <a:cs typeface="Arial" panose="020B0704020202020204"/>
               </a:rPr>
               <a:t>of </a:t>
             </a:r>
             <a:r>
               <a:rPr sz="1800" spc="-10" dirty="0">
-                <a:latin typeface="Arial"/>
-                <a:cs typeface="Arial"/>
+                <a:latin typeface="Arial" panose="020B0704020202020204"/>
+                <a:cs typeface="Arial" panose="020B0704020202020204"/>
               </a:rPr>
               <a:t>corporate </a:t>
             </a:r>
             <a:r>
               <a:rPr sz="1800" dirty="0">
-                <a:latin typeface="Arial"/>
-                <a:cs typeface="Arial"/>
+                <a:latin typeface="Arial" panose="020B0704020202020204"/>
+                <a:cs typeface="Arial" panose="020B0704020202020204"/>
               </a:rPr>
               <a:t>strategic </a:t>
             </a:r>
             <a:r>
               <a:rPr sz="1800" spc="-10" dirty="0">
-                <a:latin typeface="Arial"/>
-                <a:cs typeface="Arial"/>
+                <a:latin typeface="Arial" panose="020B0704020202020204"/>
+                <a:cs typeface="Arial" panose="020B0704020202020204"/>
               </a:rPr>
               <a:t>planning </a:t>
             </a:r>
             <a:r>
               <a:rPr sz="1800" dirty="0">
-                <a:latin typeface="Arial"/>
-                <a:cs typeface="Arial"/>
+                <a:latin typeface="Arial" panose="020B0704020202020204"/>
+                <a:cs typeface="Arial" panose="020B0704020202020204"/>
               </a:rPr>
               <a:t>and</a:t>
             </a:r>
             <a:r>
               <a:rPr sz="1800" spc="-10" dirty="0">
-                <a:latin typeface="Arial"/>
-                <a:cs typeface="Arial"/>
+                <a:latin typeface="Arial" panose="020B0704020202020204"/>
+                <a:cs typeface="Arial" panose="020B0704020202020204"/>
               </a:rPr>
               <a:t> information </a:t>
             </a:r>
             <a:r>
               <a:rPr sz="1800" dirty="0">
-                <a:latin typeface="Arial"/>
-                <a:cs typeface="Arial"/>
+                <a:latin typeface="Arial" panose="020B0704020202020204"/>
+                <a:cs typeface="Arial" panose="020B0704020202020204"/>
               </a:rPr>
               <a:t>systems </a:t>
             </a:r>
             <a:r>
               <a:rPr sz="1800" spc="-10" dirty="0">
-                <a:latin typeface="Arial"/>
-                <a:cs typeface="Arial"/>
+                <a:latin typeface="Arial" panose="020B0704020202020204"/>
+                <a:cs typeface="Arial" panose="020B0704020202020204"/>
               </a:rPr>
               <a:t>planning</a:t>
             </a:r>
             <a:endParaRPr sz="1800">
-              <a:latin typeface="Arial"/>
-              <a:cs typeface="Arial"/>
+              <a:latin typeface="Arial" panose="020B0704020202020204"/>
+              <a:cs typeface="Arial" panose="020B0704020202020204"/>
             </a:endParaRPr>
           </a:p>
         </p:txBody>
@@ -11321,8 +11280,8 @@
                 <a:solidFill>
                   <a:srgbClr val="1CACE3"/>
                 </a:solidFill>
-                <a:latin typeface="Wingdings 3"/>
-                <a:cs typeface="Wingdings 3"/>
+                <a:latin typeface="Wingdings 3" panose="05040102010807070707"/>
+                <a:cs typeface="Wingdings 3" panose="05040102010807070707"/>
               </a:rPr>
               <a:t></a:t>
             </a:r>
@@ -11331,8 +11290,8 @@
                 <a:solidFill>
                   <a:srgbClr val="1CACE3"/>
                 </a:solidFill>
-                <a:latin typeface="Times New Roman"/>
-                <a:cs typeface="Times New Roman"/>
+                <a:latin typeface="Times New Roman" panose="02020603050405020304"/>
+                <a:cs typeface="Times New Roman" panose="02020603050405020304"/>
               </a:rPr>
               <a:t> </a:t>
             </a:r>
@@ -11361,8 +11320,8 @@
               <a:t>perspective.</a:t>
             </a:r>
             <a:endParaRPr sz="1800">
-              <a:latin typeface="Times New Roman"/>
-              <a:cs typeface="Times New Roman"/>
+              <a:latin typeface="Times New Roman" panose="02020603050405020304"/>
+              <a:cs typeface="Times New Roman" panose="02020603050405020304"/>
             </a:endParaRPr>
           </a:p>
           <a:p>
@@ -11379,8 +11338,8 @@
                 <a:solidFill>
                   <a:srgbClr val="1CACE3"/>
                 </a:solidFill>
-                <a:latin typeface="Wingdings 3"/>
-                <a:cs typeface="Wingdings 3"/>
+                <a:latin typeface="Wingdings 3" panose="05040102010807070707"/>
+                <a:cs typeface="Wingdings 3" panose="05040102010807070707"/>
               </a:rPr>
               <a:t></a:t>
             </a:r>
@@ -11389,8 +11348,8 @@
                 <a:solidFill>
                   <a:srgbClr val="1CACE3"/>
                 </a:solidFill>
-                <a:latin typeface="Times New Roman"/>
-                <a:cs typeface="Times New Roman"/>
+                <a:latin typeface="Times New Roman" panose="02020603050405020304"/>
+                <a:cs typeface="Times New Roman" panose="02020603050405020304"/>
               </a:rPr>
               <a:t> </a:t>
             </a:r>
@@ -11419,8 +11378,8 @@
               <a:t>integration.</a:t>
             </a:r>
             <a:endParaRPr sz="1800">
-              <a:latin typeface="Times New Roman"/>
-              <a:cs typeface="Times New Roman"/>
+              <a:latin typeface="Times New Roman" panose="02020603050405020304"/>
+              <a:cs typeface="Times New Roman" panose="02020603050405020304"/>
             </a:endParaRPr>
           </a:p>
           <a:p>
@@ -11437,8 +11396,8 @@
                 <a:solidFill>
                   <a:srgbClr val="1CACE3"/>
                 </a:solidFill>
-                <a:latin typeface="Wingdings 3"/>
-                <a:cs typeface="Wingdings 3"/>
+                <a:latin typeface="Wingdings 3" panose="05040102010807070707"/>
+                <a:cs typeface="Wingdings 3" panose="05040102010807070707"/>
               </a:rPr>
               <a:t></a:t>
             </a:r>
@@ -11447,8 +11406,8 @@
                 <a:solidFill>
                   <a:srgbClr val="1CACE3"/>
                 </a:solidFill>
-                <a:latin typeface="Times New Roman"/>
-                <a:cs typeface="Times New Roman"/>
+                <a:latin typeface="Times New Roman" panose="02020603050405020304"/>
+                <a:cs typeface="Times New Roman" panose="02020603050405020304"/>
               </a:rPr>
               <a:t> </a:t>
             </a:r>
@@ -11493,8 +11452,8 @@
               <a:t>support.</a:t>
             </a:r>
             <a:endParaRPr sz="1800">
-              <a:latin typeface="Times New Roman"/>
-              <a:cs typeface="Times New Roman"/>
+              <a:latin typeface="Times New Roman" panose="02020603050405020304"/>
+              <a:cs typeface="Times New Roman" panose="02020603050405020304"/>
             </a:endParaRPr>
           </a:p>
           <a:p>
@@ -11511,8 +11470,8 @@
                 <a:solidFill>
                   <a:srgbClr val="1CACE3"/>
                 </a:solidFill>
-                <a:latin typeface="Wingdings 3"/>
-                <a:cs typeface="Wingdings 3"/>
+                <a:latin typeface="Wingdings 3" panose="05040102010807070707"/>
+                <a:cs typeface="Wingdings 3" panose="05040102010807070707"/>
               </a:rPr>
               <a:t></a:t>
             </a:r>
@@ -11521,8 +11480,8 @@
                 <a:solidFill>
                   <a:srgbClr val="1CACE3"/>
                 </a:solidFill>
-                <a:latin typeface="Times New Roman"/>
-                <a:cs typeface="Times New Roman"/>
+                <a:latin typeface="Times New Roman" panose="02020603050405020304"/>
+                <a:cs typeface="Times New Roman" panose="02020603050405020304"/>
               </a:rPr>
               <a:t> </a:t>
             </a:r>
@@ -11543,28 +11502,22 @@
               <a:t>understanding.</a:t>
             </a:r>
             <a:endParaRPr sz="1800">
-              <a:latin typeface="Times New Roman"/>
-              <a:cs typeface="Times New Roman"/>
+              <a:latin typeface="Times New Roman" panose="02020603050405020304"/>
+              <a:cs typeface="Times New Roman" panose="02020603050405020304"/>
             </a:endParaRPr>
           </a:p>
         </p:txBody>
       </p:sp>
       <p:pic>
         <p:nvPicPr>
-          <p:cNvPr id="6" name="Picture 5">
-            <a:extLst>
-              <a:ext uri="{FF2B5EF4-FFF2-40B4-BE49-F238E27FC236}">
-                <a16:creationId xmlns:a16="http://schemas.microsoft.com/office/drawing/2014/main" id="{017BD994-D254-990B-AE6F-9F9F50535B8B}"/>
-              </a:ext>
-            </a:extLst>
-          </p:cNvPr>
+          <p:cNvPr id="6" name="Picture 5"/>
           <p:cNvPicPr>
             <a:picLocks noChangeAspect="1"/>
           </p:cNvPicPr>
           <p:nvPr/>
         </p:nvPicPr>
         <p:blipFill>
-          <a:blip r:embed="rId2"/>
+          <a:blip r:embed="rId1"/>
           <a:stretch>
             <a:fillRect/>
           </a:stretch>
@@ -12063,8 +12016,8 @@
                 <a:solidFill>
                   <a:srgbClr val="1CACE3"/>
                 </a:solidFill>
-                <a:latin typeface="Wingdings 3"/>
-                <a:cs typeface="Wingdings 3"/>
+                <a:latin typeface="Wingdings 3" panose="05040102010807070707"/>
+                <a:cs typeface="Wingdings 3" panose="05040102010807070707"/>
               </a:rPr>
               <a:t></a:t>
             </a:r>
@@ -12073,8 +12026,8 @@
                 <a:solidFill>
                   <a:srgbClr val="1CACE3"/>
                 </a:solidFill>
-                <a:latin typeface="Times New Roman"/>
-                <a:cs typeface="Times New Roman"/>
+                <a:latin typeface="Times New Roman" panose="02020603050405020304"/>
+                <a:cs typeface="Times New Roman" panose="02020603050405020304"/>
               </a:rPr>
               <a:t> </a:t>
             </a:r>
@@ -12309,91 +12262,91 @@
             </a:pPr>
             <a:r>
               <a:rPr sz="1800" dirty="0">
-                <a:latin typeface="Arial"/>
-                <a:cs typeface="Arial"/>
+                <a:latin typeface="Arial" panose="020B0704020202020204"/>
+                <a:cs typeface="Arial" panose="020B0704020202020204"/>
               </a:rPr>
               <a:t>Information</a:t>
             </a:r>
             <a:r>
               <a:rPr sz="1800" spc="-45" dirty="0">
-                <a:latin typeface="Arial"/>
-                <a:cs typeface="Arial"/>
+                <a:latin typeface="Arial" panose="020B0704020202020204"/>
+                <a:cs typeface="Arial" panose="020B0704020202020204"/>
               </a:rPr>
               <a:t> </a:t>
             </a:r>
             <a:r>
               <a:rPr sz="1800" dirty="0">
-                <a:latin typeface="Arial"/>
-                <a:cs typeface="Arial"/>
+                <a:latin typeface="Arial" panose="020B0704020202020204"/>
+                <a:cs typeface="Arial" panose="020B0704020202020204"/>
               </a:rPr>
               <a:t>systems</a:t>
             </a:r>
             <a:r>
               <a:rPr sz="1800" spc="-25" dirty="0">
-                <a:latin typeface="Arial"/>
-                <a:cs typeface="Arial"/>
+                <a:latin typeface="Arial" panose="020B0704020202020204"/>
+                <a:cs typeface="Arial" panose="020B0704020202020204"/>
               </a:rPr>
               <a:t> </a:t>
             </a:r>
             <a:r>
               <a:rPr sz="1800" dirty="0">
-                <a:latin typeface="Arial"/>
-                <a:cs typeface="Arial"/>
+                <a:latin typeface="Arial" panose="020B0704020202020204"/>
+                <a:cs typeface="Arial" panose="020B0704020202020204"/>
               </a:rPr>
               <a:t>planning</a:t>
             </a:r>
             <a:r>
               <a:rPr sz="1800" spc="-40" dirty="0">
-                <a:latin typeface="Arial"/>
-                <a:cs typeface="Arial"/>
+                <a:latin typeface="Arial" panose="020B0704020202020204"/>
+                <a:cs typeface="Arial" panose="020B0704020202020204"/>
               </a:rPr>
               <a:t> </a:t>
             </a:r>
             <a:r>
               <a:rPr sz="1800" spc="-10" dirty="0">
-                <a:latin typeface="Arial"/>
-                <a:cs typeface="Arial"/>
+                <a:latin typeface="Arial" panose="020B0704020202020204"/>
+                <a:cs typeface="Arial" panose="020B0704020202020204"/>
               </a:rPr>
               <a:t>information </a:t>
             </a:r>
             <a:r>
               <a:rPr sz="1800" dirty="0">
-                <a:latin typeface="Arial"/>
-                <a:cs typeface="Arial"/>
+                <a:latin typeface="Arial" panose="020B0704020202020204"/>
+                <a:cs typeface="Arial" panose="020B0704020202020204"/>
               </a:rPr>
               <a:t>(Pine</a:t>
             </a:r>
             <a:r>
               <a:rPr sz="1800" spc="-60" dirty="0">
-                <a:latin typeface="Arial"/>
-                <a:cs typeface="Arial"/>
+                <a:latin typeface="Arial" panose="020B0704020202020204"/>
+                <a:cs typeface="Arial" panose="020B0704020202020204"/>
               </a:rPr>
               <a:t> </a:t>
             </a:r>
             <a:r>
               <a:rPr sz="1800" spc="-10" dirty="0">
-                <a:latin typeface="Arial"/>
-                <a:cs typeface="Arial"/>
+                <a:latin typeface="Arial" panose="020B0704020202020204"/>
+                <a:cs typeface="Arial" panose="020B0704020202020204"/>
               </a:rPr>
               <a:t>Valley</a:t>
             </a:r>
             <a:r>
               <a:rPr sz="1800" spc="-70" dirty="0">
-                <a:latin typeface="Arial"/>
-                <a:cs typeface="Arial"/>
+                <a:latin typeface="Arial" panose="020B0704020202020204"/>
+                <a:cs typeface="Arial" panose="020B0704020202020204"/>
               </a:rPr>
               <a:t> </a:t>
             </a:r>
             <a:r>
               <a:rPr sz="1800" spc="-10" dirty="0">
-                <a:latin typeface="Arial"/>
-                <a:cs typeface="Arial"/>
+                <a:latin typeface="Arial" panose="020B0704020202020204"/>
+                <a:cs typeface="Arial" panose="020B0704020202020204"/>
               </a:rPr>
               <a:t>Furniture)</a:t>
             </a:r>
             <a:endParaRPr sz="1800">
-              <a:latin typeface="Arial"/>
-              <a:cs typeface="Arial"/>
+              <a:latin typeface="Arial" panose="020B0704020202020204"/>
+              <a:cs typeface="Arial" panose="020B0704020202020204"/>
             </a:endParaRPr>
           </a:p>
         </p:txBody>
@@ -12466,7 +12419,7 @@
           <p:nvPr/>
         </p:nvPicPr>
         <p:blipFill>
-          <a:blip r:embed="rId2" cstate="print"/>
+          <a:blip r:embed="rId1" cstate="print"/>
           <a:stretch>
             <a:fillRect/>
           </a:stretch>
@@ -12513,7 +12466,7 @@
           <p:nvPr/>
         </p:nvPicPr>
         <p:blipFill>
-          <a:blip r:embed="rId2" cstate="print"/>
+          <a:blip r:embed="rId1" cstate="print"/>
           <a:stretch>
             <a:fillRect/>
           </a:stretch>
@@ -12632,119 +12585,119 @@
             </a:pPr>
             <a:r>
               <a:rPr sz="1800" dirty="0">
-                <a:latin typeface="Arial"/>
-                <a:cs typeface="Arial"/>
+                <a:latin typeface="Arial" panose="020B0704020202020204"/>
+                <a:cs typeface="Arial" panose="020B0704020202020204"/>
               </a:rPr>
               <a:t>Systems</a:t>
             </a:r>
             <a:r>
               <a:rPr sz="1800" spc="-10" dirty="0">
-                <a:latin typeface="Arial"/>
-                <a:cs typeface="Arial"/>
+                <a:latin typeface="Arial" panose="020B0704020202020204"/>
+                <a:cs typeface="Arial" panose="020B0704020202020204"/>
               </a:rPr>
               <a:t> </a:t>
             </a:r>
             <a:r>
               <a:rPr sz="1800" dirty="0">
-                <a:latin typeface="Arial"/>
-                <a:cs typeface="Arial"/>
+                <a:latin typeface="Arial" panose="020B0704020202020204"/>
+                <a:cs typeface="Arial" panose="020B0704020202020204"/>
               </a:rPr>
               <a:t>development</a:t>
             </a:r>
             <a:r>
               <a:rPr sz="1800" spc="-25" dirty="0">
-                <a:latin typeface="Arial"/>
-                <a:cs typeface="Arial"/>
+                <a:latin typeface="Arial" panose="020B0704020202020204"/>
+                <a:cs typeface="Arial" panose="020B0704020202020204"/>
               </a:rPr>
               <a:t> </a:t>
             </a:r>
             <a:r>
               <a:rPr sz="1800" dirty="0">
-                <a:latin typeface="Arial"/>
-                <a:cs typeface="Arial"/>
+                <a:latin typeface="Arial" panose="020B0704020202020204"/>
+                <a:cs typeface="Arial" panose="020B0704020202020204"/>
               </a:rPr>
               <a:t>life</a:t>
             </a:r>
             <a:r>
               <a:rPr sz="1800" spc="-10" dirty="0">
-                <a:latin typeface="Arial"/>
-                <a:cs typeface="Arial"/>
+                <a:latin typeface="Arial" panose="020B0704020202020204"/>
+                <a:cs typeface="Arial" panose="020B0704020202020204"/>
               </a:rPr>
               <a:t> </a:t>
             </a:r>
             <a:r>
               <a:rPr sz="1800" dirty="0">
-                <a:latin typeface="Arial"/>
-                <a:cs typeface="Arial"/>
+                <a:latin typeface="Arial" panose="020B0704020202020204"/>
+                <a:cs typeface="Arial" panose="020B0704020202020204"/>
               </a:rPr>
               <a:t>cycle</a:t>
             </a:r>
             <a:r>
               <a:rPr sz="1800" spc="-5" dirty="0">
-                <a:latin typeface="Arial"/>
-                <a:cs typeface="Arial"/>
+                <a:latin typeface="Arial" panose="020B0704020202020204"/>
+                <a:cs typeface="Arial" panose="020B0704020202020204"/>
               </a:rPr>
               <a:t> </a:t>
             </a:r>
             <a:r>
               <a:rPr sz="1800" spc="-20" dirty="0">
-                <a:latin typeface="Arial"/>
-                <a:cs typeface="Arial"/>
+                <a:latin typeface="Arial" panose="020B0704020202020204"/>
+                <a:cs typeface="Arial" panose="020B0704020202020204"/>
               </a:rPr>
               <a:t>with </a:t>
             </a:r>
             <a:r>
               <a:rPr sz="1800" dirty="0">
-                <a:latin typeface="Arial"/>
-                <a:cs typeface="Arial"/>
+                <a:latin typeface="Arial" panose="020B0704020202020204"/>
+                <a:cs typeface="Arial" panose="020B0704020202020204"/>
               </a:rPr>
               <a:t>project</a:t>
             </a:r>
             <a:r>
               <a:rPr sz="1800" spc="-40" dirty="0">
-                <a:latin typeface="Arial"/>
-                <a:cs typeface="Arial"/>
+                <a:latin typeface="Arial" panose="020B0704020202020204"/>
+                <a:cs typeface="Arial" panose="020B0704020202020204"/>
               </a:rPr>
               <a:t> </a:t>
             </a:r>
             <a:r>
               <a:rPr sz="1800" dirty="0">
-                <a:latin typeface="Arial"/>
-                <a:cs typeface="Arial"/>
+                <a:latin typeface="Arial" panose="020B0704020202020204"/>
+                <a:cs typeface="Arial" panose="020B0704020202020204"/>
               </a:rPr>
               <a:t>identification</a:t>
             </a:r>
             <a:r>
               <a:rPr sz="1800" spc="-45" dirty="0">
-                <a:latin typeface="Arial"/>
-                <a:cs typeface="Arial"/>
+                <a:latin typeface="Arial" panose="020B0704020202020204"/>
+                <a:cs typeface="Arial" panose="020B0704020202020204"/>
               </a:rPr>
               <a:t> </a:t>
             </a:r>
             <a:r>
               <a:rPr sz="1800" dirty="0">
-                <a:latin typeface="Arial"/>
-                <a:cs typeface="Arial"/>
+                <a:latin typeface="Arial" panose="020B0704020202020204"/>
+                <a:cs typeface="Arial" panose="020B0704020202020204"/>
               </a:rPr>
               <a:t>and</a:t>
             </a:r>
             <a:r>
               <a:rPr sz="1800" spc="-25" dirty="0">
-                <a:latin typeface="Arial"/>
-                <a:cs typeface="Arial"/>
+                <a:latin typeface="Arial" panose="020B0704020202020204"/>
+                <a:cs typeface="Arial" panose="020B0704020202020204"/>
               </a:rPr>
               <a:t> </a:t>
             </a:r>
             <a:r>
               <a:rPr sz="1800" spc="-10" dirty="0">
-                <a:latin typeface="Arial"/>
-                <a:cs typeface="Arial"/>
+                <a:latin typeface="Arial" panose="020B0704020202020204"/>
+                <a:cs typeface="Arial" panose="020B0704020202020204"/>
               </a:rPr>
               <a:t>selection highlighted</a:t>
             </a:r>
             <a:endParaRPr sz="1800">
-              <a:latin typeface="Arial"/>
-              <a:cs typeface="Arial"/>
+              <a:latin typeface="Arial" panose="020B0704020202020204"/>
+              <a:cs typeface="Arial" panose="020B0704020202020204"/>
             </a:endParaRPr>
           </a:p>
         </p:txBody>
@@ -12780,42 +12733,42 @@
             </a:pPr>
             <a:r>
               <a:rPr sz="1800" dirty="0">
-                <a:latin typeface="Arial"/>
-                <a:cs typeface="Arial"/>
+                <a:latin typeface="Arial" panose="020B0704020202020204"/>
+                <a:cs typeface="Arial" panose="020B0704020202020204"/>
               </a:rPr>
               <a:t>Three</a:t>
             </a:r>
             <a:r>
               <a:rPr sz="1800" spc="-20" dirty="0">
-                <a:latin typeface="Arial"/>
-                <a:cs typeface="Arial"/>
+                <a:latin typeface="Arial" panose="020B0704020202020204"/>
+                <a:cs typeface="Arial" panose="020B0704020202020204"/>
               </a:rPr>
               <a:t> </a:t>
             </a:r>
             <a:r>
               <a:rPr sz="1800" dirty="0">
-                <a:latin typeface="Arial"/>
-                <a:cs typeface="Arial"/>
+                <a:latin typeface="Arial" panose="020B0704020202020204"/>
+                <a:cs typeface="Arial" panose="020B0704020202020204"/>
               </a:rPr>
               <a:t>main</a:t>
             </a:r>
             <a:r>
               <a:rPr sz="1800" spc="-25" dirty="0">
-                <a:latin typeface="Arial"/>
-                <a:cs typeface="Arial"/>
+                <a:latin typeface="Arial" panose="020B0704020202020204"/>
+                <a:cs typeface="Arial" panose="020B0704020202020204"/>
               </a:rPr>
               <a:t> </a:t>
             </a:r>
             <a:r>
               <a:rPr sz="1800" spc="-10" dirty="0">
-                <a:latin typeface="Arial"/>
-                <a:cs typeface="Arial"/>
+                <a:latin typeface="Arial" panose="020B0704020202020204"/>
+                <a:cs typeface="Arial" panose="020B0704020202020204"/>
               </a:rPr>
               <a:t>steps:</a:t>
             </a:r>
             <a:endParaRPr sz="1800">
-              <a:latin typeface="Arial"/>
-              <a:cs typeface="Arial"/>
+              <a:latin typeface="Arial" panose="020B0704020202020204"/>
+              <a:cs typeface="Arial" panose="020B0704020202020204"/>
             </a:endParaRPr>
           </a:p>
           <a:p>
@@ -12830,42 +12783,42 @@
             </a:pPr>
             <a:r>
               <a:rPr sz="1800" dirty="0">
-                <a:latin typeface="Arial"/>
-                <a:cs typeface="Arial"/>
+                <a:latin typeface="Arial" panose="020B0704020202020204"/>
+                <a:cs typeface="Arial" panose="020B0704020202020204"/>
               </a:rPr>
               <a:t>Identifying</a:t>
             </a:r>
             <a:r>
               <a:rPr sz="1800" spc="-50" dirty="0">
-                <a:latin typeface="Arial"/>
-                <a:cs typeface="Arial"/>
+                <a:latin typeface="Arial" panose="020B0704020202020204"/>
+                <a:cs typeface="Arial" panose="020B0704020202020204"/>
               </a:rPr>
               <a:t> </a:t>
             </a:r>
             <a:r>
               <a:rPr sz="1800" dirty="0">
-                <a:latin typeface="Arial"/>
-                <a:cs typeface="Arial"/>
+                <a:latin typeface="Arial" panose="020B0704020202020204"/>
+                <a:cs typeface="Arial" panose="020B0704020202020204"/>
               </a:rPr>
               <a:t>potential</a:t>
             </a:r>
             <a:r>
               <a:rPr sz="1800" spc="-50" dirty="0">
-                <a:latin typeface="Arial"/>
-                <a:cs typeface="Arial"/>
+                <a:latin typeface="Arial" panose="020B0704020202020204"/>
+                <a:cs typeface="Arial" panose="020B0704020202020204"/>
               </a:rPr>
               <a:t> </a:t>
             </a:r>
             <a:r>
               <a:rPr sz="1800" spc="-10" dirty="0">
-                <a:latin typeface="Arial"/>
-                <a:cs typeface="Arial"/>
+                <a:latin typeface="Arial" panose="020B0704020202020204"/>
+                <a:cs typeface="Arial" panose="020B0704020202020204"/>
               </a:rPr>
               <a:t>development projects</a:t>
             </a:r>
             <a:endParaRPr sz="1800">
-              <a:latin typeface="Arial"/>
-              <a:cs typeface="Arial"/>
+              <a:latin typeface="Arial" panose="020B0704020202020204"/>
+              <a:cs typeface="Arial" panose="020B0704020202020204"/>
             </a:endParaRPr>
           </a:p>
           <a:p>
@@ -12880,70 +12833,70 @@
             </a:pPr>
             <a:r>
               <a:rPr sz="1800" dirty="0">
-                <a:latin typeface="Arial"/>
-                <a:cs typeface="Arial"/>
+                <a:latin typeface="Arial" panose="020B0704020202020204"/>
+                <a:cs typeface="Arial" panose="020B0704020202020204"/>
               </a:rPr>
               <a:t>Classifying</a:t>
             </a:r>
             <a:r>
               <a:rPr sz="1800" spc="-30" dirty="0">
-                <a:latin typeface="Arial"/>
-                <a:cs typeface="Arial"/>
+                <a:latin typeface="Arial" panose="020B0704020202020204"/>
+                <a:cs typeface="Arial" panose="020B0704020202020204"/>
               </a:rPr>
               <a:t> </a:t>
             </a:r>
             <a:r>
               <a:rPr sz="1800" dirty="0">
-                <a:latin typeface="Arial"/>
-                <a:cs typeface="Arial"/>
+                <a:latin typeface="Arial" panose="020B0704020202020204"/>
+                <a:cs typeface="Arial" panose="020B0704020202020204"/>
               </a:rPr>
               <a:t>and</a:t>
             </a:r>
             <a:r>
               <a:rPr sz="1800" spc="-20" dirty="0">
-                <a:latin typeface="Arial"/>
-                <a:cs typeface="Arial"/>
+                <a:latin typeface="Arial" panose="020B0704020202020204"/>
+                <a:cs typeface="Arial" panose="020B0704020202020204"/>
               </a:rPr>
               <a:t> </a:t>
             </a:r>
             <a:r>
               <a:rPr sz="1800" dirty="0">
-                <a:latin typeface="Arial"/>
-                <a:cs typeface="Arial"/>
+                <a:latin typeface="Arial" panose="020B0704020202020204"/>
+                <a:cs typeface="Arial" panose="020B0704020202020204"/>
               </a:rPr>
               <a:t>ranking</a:t>
             </a:r>
             <a:r>
               <a:rPr sz="1800" spc="-35" dirty="0">
-                <a:latin typeface="Arial"/>
-                <a:cs typeface="Arial"/>
+                <a:latin typeface="Arial" panose="020B0704020202020204"/>
+                <a:cs typeface="Arial" panose="020B0704020202020204"/>
               </a:rPr>
               <a:t> </a:t>
             </a:r>
             <a:r>
               <a:rPr sz="1800" dirty="0">
-                <a:latin typeface="Arial"/>
-                <a:cs typeface="Arial"/>
+                <a:latin typeface="Arial" panose="020B0704020202020204"/>
+                <a:cs typeface="Arial" panose="020B0704020202020204"/>
               </a:rPr>
               <a:t>IS</a:t>
             </a:r>
             <a:r>
               <a:rPr sz="1800" spc="-15" dirty="0">
-                <a:latin typeface="Arial"/>
-                <a:cs typeface="Arial"/>
+                <a:latin typeface="Arial" panose="020B0704020202020204"/>
+                <a:cs typeface="Arial" panose="020B0704020202020204"/>
               </a:rPr>
               <a:t> </a:t>
             </a:r>
             <a:r>
               <a:rPr sz="1800" spc="-10" dirty="0">
-                <a:latin typeface="Arial"/>
-                <a:cs typeface="Arial"/>
+                <a:latin typeface="Arial" panose="020B0704020202020204"/>
+                <a:cs typeface="Arial" panose="020B0704020202020204"/>
               </a:rPr>
               <a:t>development projects</a:t>
             </a:r>
             <a:endParaRPr sz="1800">
-              <a:latin typeface="Arial"/>
-              <a:cs typeface="Arial"/>
+              <a:latin typeface="Arial" panose="020B0704020202020204"/>
+              <a:cs typeface="Arial" panose="020B0704020202020204"/>
             </a:endParaRPr>
           </a:p>
           <a:p>
@@ -12958,56 +12911,56 @@
             </a:pPr>
             <a:r>
               <a:rPr sz="1800" dirty="0">
-                <a:latin typeface="Arial"/>
-                <a:cs typeface="Arial"/>
+                <a:latin typeface="Arial" panose="020B0704020202020204"/>
+                <a:cs typeface="Arial" panose="020B0704020202020204"/>
               </a:rPr>
               <a:t>Selecting</a:t>
             </a:r>
             <a:r>
               <a:rPr sz="1800" spc="-40" dirty="0">
-                <a:latin typeface="Arial"/>
-                <a:cs typeface="Arial"/>
+                <a:latin typeface="Arial" panose="020B0704020202020204"/>
+                <a:cs typeface="Arial" panose="020B0704020202020204"/>
               </a:rPr>
               <a:t> </a:t>
             </a:r>
             <a:r>
               <a:rPr sz="1800" dirty="0">
-                <a:latin typeface="Arial"/>
-                <a:cs typeface="Arial"/>
+                <a:latin typeface="Arial" panose="020B0704020202020204"/>
+                <a:cs typeface="Arial" panose="020B0704020202020204"/>
               </a:rPr>
               <a:t>IS</a:t>
             </a:r>
             <a:r>
               <a:rPr sz="1800" spc="-35" dirty="0">
-                <a:latin typeface="Arial"/>
-                <a:cs typeface="Arial"/>
+                <a:latin typeface="Arial" panose="020B0704020202020204"/>
+                <a:cs typeface="Arial" panose="020B0704020202020204"/>
               </a:rPr>
               <a:t> </a:t>
             </a:r>
             <a:r>
               <a:rPr sz="1800" dirty="0">
-                <a:latin typeface="Arial"/>
-                <a:cs typeface="Arial"/>
+                <a:latin typeface="Arial" panose="020B0704020202020204"/>
+                <a:cs typeface="Arial" panose="020B0704020202020204"/>
               </a:rPr>
               <a:t>development</a:t>
             </a:r>
             <a:r>
               <a:rPr sz="1800" spc="-40" dirty="0">
-                <a:latin typeface="Arial"/>
-                <a:cs typeface="Arial"/>
+                <a:latin typeface="Arial" panose="020B0704020202020204"/>
+                <a:cs typeface="Arial" panose="020B0704020202020204"/>
               </a:rPr>
               <a:t> </a:t>
             </a:r>
             <a:r>
               <a:rPr sz="1800" spc="-10" dirty="0">
-                <a:latin typeface="Arial"/>
-                <a:cs typeface="Arial"/>
+                <a:latin typeface="Arial" panose="020B0704020202020204"/>
+                <a:cs typeface="Arial" panose="020B0704020202020204"/>
               </a:rPr>
               <a:t>projects</a:t>
             </a:r>
             <a:endParaRPr sz="1800">
-              <a:latin typeface="Arial"/>
-              <a:cs typeface="Arial"/>
+              <a:latin typeface="Arial" panose="020B0704020202020204"/>
+              <a:cs typeface="Arial" panose="020B0704020202020204"/>
             </a:endParaRPr>
           </a:p>
         </p:txBody>
@@ -13450,98 +13403,98 @@
             </a:pPr>
             <a:r>
               <a:rPr sz="1800" spc="-10" dirty="0">
-                <a:latin typeface="Arial"/>
-                <a:cs typeface="Arial"/>
+                <a:latin typeface="Arial" panose="020B0704020202020204"/>
+                <a:cs typeface="Arial" panose="020B0704020202020204"/>
               </a:rPr>
               <a:t>Functional </a:t>
             </a:r>
             <a:r>
               <a:rPr sz="1800" dirty="0">
-                <a:latin typeface="Arial"/>
-                <a:cs typeface="Arial"/>
+                <a:latin typeface="Arial" panose="020B0704020202020204"/>
+                <a:cs typeface="Arial" panose="020B0704020202020204"/>
               </a:rPr>
               <a:t>decomposition</a:t>
             </a:r>
             <a:r>
               <a:rPr sz="1800" spc="-70" dirty="0">
-                <a:latin typeface="Arial"/>
-                <a:cs typeface="Arial"/>
+                <a:latin typeface="Arial" panose="020B0704020202020204"/>
+                <a:cs typeface="Arial" panose="020B0704020202020204"/>
               </a:rPr>
               <a:t> </a:t>
             </a:r>
             <a:r>
               <a:rPr sz="1800" spc="-35" dirty="0">
-                <a:latin typeface="Arial"/>
-                <a:cs typeface="Arial"/>
+                <a:latin typeface="Arial" panose="020B0704020202020204"/>
+                <a:cs typeface="Arial" panose="020B0704020202020204"/>
               </a:rPr>
               <a:t>of </a:t>
             </a:r>
             <a:r>
               <a:rPr sz="1800" spc="-10" dirty="0">
-                <a:latin typeface="Arial"/>
-                <a:cs typeface="Arial"/>
+                <a:latin typeface="Arial" panose="020B0704020202020204"/>
+                <a:cs typeface="Arial" panose="020B0704020202020204"/>
               </a:rPr>
               <a:t>information </a:t>
             </a:r>
             <a:r>
               <a:rPr sz="1800" dirty="0">
-                <a:latin typeface="Arial"/>
-                <a:cs typeface="Arial"/>
+                <a:latin typeface="Arial" panose="020B0704020202020204"/>
+                <a:cs typeface="Arial" panose="020B0704020202020204"/>
               </a:rPr>
               <a:t>systems </a:t>
             </a:r>
             <a:r>
               <a:rPr sz="1800" spc="-10" dirty="0">
-                <a:latin typeface="Arial"/>
-                <a:cs typeface="Arial"/>
+                <a:latin typeface="Arial" panose="020B0704020202020204"/>
+                <a:cs typeface="Arial" panose="020B0704020202020204"/>
               </a:rPr>
               <a:t>planning </a:t>
             </a:r>
             <a:r>
               <a:rPr sz="1800" dirty="0">
-                <a:latin typeface="Arial"/>
-                <a:cs typeface="Arial"/>
+                <a:latin typeface="Arial" panose="020B0704020202020204"/>
+                <a:cs typeface="Arial" panose="020B0704020202020204"/>
               </a:rPr>
               <a:t>information</a:t>
             </a:r>
             <a:r>
               <a:rPr sz="1800" spc="-65" dirty="0">
-                <a:latin typeface="Arial"/>
-                <a:cs typeface="Arial"/>
+                <a:latin typeface="Arial" panose="020B0704020202020204"/>
+                <a:cs typeface="Arial" panose="020B0704020202020204"/>
               </a:rPr>
               <a:t> </a:t>
             </a:r>
             <a:r>
               <a:rPr sz="1800" spc="-20" dirty="0">
-                <a:latin typeface="Arial"/>
-                <a:cs typeface="Arial"/>
+                <a:latin typeface="Arial" panose="020B0704020202020204"/>
+                <a:cs typeface="Arial" panose="020B0704020202020204"/>
               </a:rPr>
               <a:t>(Pine </a:t>
             </a:r>
             <a:r>
               <a:rPr sz="1800" spc="-10" dirty="0">
-                <a:latin typeface="Arial"/>
-                <a:cs typeface="Arial"/>
+                <a:latin typeface="Arial" panose="020B0704020202020204"/>
+                <a:cs typeface="Arial" panose="020B0704020202020204"/>
               </a:rPr>
               <a:t>Valley</a:t>
             </a:r>
             <a:r>
               <a:rPr sz="1800" spc="-105" dirty="0">
-                <a:latin typeface="Arial"/>
-                <a:cs typeface="Arial"/>
+                <a:latin typeface="Arial" panose="020B0704020202020204"/>
+                <a:cs typeface="Arial" panose="020B0704020202020204"/>
               </a:rPr>
               <a:t> </a:t>
             </a:r>
             <a:r>
               <a:rPr sz="1800" spc="-10" dirty="0">
-                <a:latin typeface="Arial"/>
-                <a:cs typeface="Arial"/>
+                <a:latin typeface="Arial" panose="020B0704020202020204"/>
+                <a:cs typeface="Arial" panose="020B0704020202020204"/>
               </a:rPr>
               <a:t>Furniture)</a:t>
             </a:r>
             <a:endParaRPr sz="1800" dirty="0">
-              <a:latin typeface="Arial"/>
-              <a:cs typeface="Arial"/>
+              <a:latin typeface="Arial" panose="020B0704020202020204"/>
+              <a:cs typeface="Arial" panose="020B0704020202020204"/>
             </a:endParaRPr>
           </a:p>
           <a:p>
@@ -13554,8 +13507,8 @@
               </a:spcBef>
             </a:pPr>
             <a:endParaRPr sz="1800" dirty="0">
-              <a:latin typeface="Arial"/>
-              <a:cs typeface="Arial"/>
+              <a:latin typeface="Arial" panose="020B0704020202020204"/>
+              <a:cs typeface="Arial" panose="020B0704020202020204"/>
             </a:endParaRPr>
           </a:p>
           <a:p>
@@ -13566,28 +13519,28 @@
             </a:pPr>
             <a:r>
               <a:rPr sz="1800" spc="-10" dirty="0">
-                <a:latin typeface="Arial"/>
-                <a:cs typeface="Arial"/>
+                <a:latin typeface="Arial" panose="020B0704020202020204"/>
+                <a:cs typeface="Arial" panose="020B0704020202020204"/>
               </a:rPr>
               <a:t>(</a:t>
             </a:r>
             <a:r>
               <a:rPr sz="1800" i="1" spc="-10" dirty="0">
-                <a:latin typeface="Arial"/>
-                <a:cs typeface="Arial"/>
+                <a:latin typeface="Arial" panose="020B0704020202020204"/>
+                <a:cs typeface="Arial" panose="020B0704020202020204"/>
               </a:rPr>
               <a:t>Source: </a:t>
             </a:r>
             <a:r>
               <a:rPr sz="1800" spc="-10" dirty="0">
-                <a:latin typeface="Arial"/>
-                <a:cs typeface="Arial"/>
+                <a:latin typeface="Arial" panose="020B0704020202020204"/>
+                <a:cs typeface="Arial" panose="020B0704020202020204"/>
               </a:rPr>
               <a:t>Microsoft Corporation.)</a:t>
             </a:r>
             <a:endParaRPr sz="1800" dirty="0">
-              <a:latin typeface="Arial"/>
-              <a:cs typeface="Arial"/>
+              <a:latin typeface="Arial" panose="020B0704020202020204"/>
+              <a:cs typeface="Arial" panose="020B0704020202020204"/>
             </a:endParaRPr>
           </a:p>
         </p:txBody>
@@ -13660,7 +13613,7 @@
           <p:nvPr/>
         </p:nvPicPr>
         <p:blipFill>
-          <a:blip r:embed="rId2" cstate="print"/>
+          <a:blip r:embed="rId1" cstate="print"/>
           <a:stretch>
             <a:fillRect/>
           </a:stretch>
@@ -14246,7 +14199,7 @@
           <a:p>
             <a:pPr marL="12700" marR="469265">
               <a:lnSpc>
-                <a:spcPct val="118700"/>
+                <a:spcPct val="119000"/>
               </a:lnSpc>
               <a:spcBef>
                 <a:spcPts val="95"/>
@@ -14320,7 +14273,7 @@
           <a:p>
             <a:pPr marL="12700" marR="231775">
               <a:lnSpc>
-                <a:spcPct val="118600"/>
+                <a:spcPct val="119000"/>
               </a:lnSpc>
             </a:pPr>
             <a:r>
@@ -14443,6 +14396,7 @@
               <a:rPr spc="-10" dirty="0"/>
               <a:t>Entity</a:t>
             </a:r>
+            <a:endParaRPr spc="-10" dirty="0"/>
           </a:p>
           <a:p>
             <a:pPr marL="12700" marR="625475" indent="43815">
@@ -14461,6 +14415,7 @@
               <a:rPr spc="-10" dirty="0"/>
               <a:t>to-Information System</a:t>
             </a:r>
+            <a:endParaRPr spc="-10" dirty="0"/>
           </a:p>
           <a:p>
             <a:pPr marL="12700" marR="5080" indent="43815">
@@ -14483,6 +14438,7 @@
               <a:rPr spc="-10" dirty="0"/>
               <a:t>Entity-to-Information System</a:t>
             </a:r>
+            <a:endParaRPr spc="-10" dirty="0"/>
           </a:p>
           <a:p>
             <a:pPr marL="12700" marR="549275" indent="43815">
@@ -14513,6 +14469,7 @@
               <a:rPr spc="-10" dirty="0"/>
               <a:t>Objective</a:t>
             </a:r>
+            <a:endParaRPr spc="-10" dirty="0"/>
           </a:p>
         </p:txBody>
       </p:sp>
@@ -14572,91 +14529,91 @@
             </a:pPr>
             <a:r>
               <a:rPr sz="1800" dirty="0">
-                <a:latin typeface="Arial"/>
-                <a:cs typeface="Arial"/>
+                <a:latin typeface="Arial" panose="020B0704020202020204"/>
+                <a:cs typeface="Arial" panose="020B0704020202020204"/>
               </a:rPr>
               <a:t>Data</a:t>
             </a:r>
             <a:r>
               <a:rPr sz="1800" spc="-25" dirty="0">
-                <a:latin typeface="Arial"/>
-                <a:cs typeface="Arial"/>
+                <a:latin typeface="Arial" panose="020B0704020202020204"/>
+                <a:cs typeface="Arial" panose="020B0704020202020204"/>
               </a:rPr>
               <a:t> </a:t>
             </a:r>
             <a:r>
               <a:rPr sz="1800" spc="-10" dirty="0">
-                <a:latin typeface="Arial"/>
-                <a:cs typeface="Arial"/>
+                <a:latin typeface="Arial" panose="020B0704020202020204"/>
+                <a:cs typeface="Arial" panose="020B0704020202020204"/>
               </a:rPr>
               <a:t>Entity-to-</a:t>
             </a:r>
             <a:r>
               <a:rPr sz="1800" dirty="0">
-                <a:latin typeface="Arial"/>
-                <a:cs typeface="Arial"/>
+                <a:latin typeface="Arial" panose="020B0704020202020204"/>
+                <a:cs typeface="Arial" panose="020B0704020202020204"/>
               </a:rPr>
               <a:t>Function</a:t>
             </a:r>
             <a:r>
               <a:rPr sz="1800" spc="-25" dirty="0">
-                <a:latin typeface="Arial"/>
-                <a:cs typeface="Arial"/>
+                <a:latin typeface="Arial" panose="020B0704020202020204"/>
+                <a:cs typeface="Arial" panose="020B0704020202020204"/>
               </a:rPr>
               <a:t> </a:t>
             </a:r>
             <a:r>
               <a:rPr sz="1800" dirty="0">
-                <a:latin typeface="Arial"/>
-                <a:cs typeface="Arial"/>
+                <a:latin typeface="Arial" panose="020B0704020202020204"/>
+                <a:cs typeface="Arial" panose="020B0704020202020204"/>
               </a:rPr>
               <a:t>matrix</a:t>
             </a:r>
             <a:r>
               <a:rPr sz="1800" spc="-20" dirty="0">
-                <a:latin typeface="Arial"/>
-                <a:cs typeface="Arial"/>
+                <a:latin typeface="Arial" panose="020B0704020202020204"/>
+                <a:cs typeface="Arial" panose="020B0704020202020204"/>
               </a:rPr>
               <a:t> </a:t>
             </a:r>
             <a:r>
               <a:rPr sz="1800" dirty="0">
-                <a:latin typeface="Arial"/>
-                <a:cs typeface="Arial"/>
+                <a:latin typeface="Arial" panose="020B0704020202020204"/>
+                <a:cs typeface="Arial" panose="020B0704020202020204"/>
               </a:rPr>
               <a:t>(Pine</a:t>
             </a:r>
             <a:r>
               <a:rPr sz="1800" spc="-25" dirty="0">
-                <a:latin typeface="Arial"/>
-                <a:cs typeface="Arial"/>
+                <a:latin typeface="Arial" panose="020B0704020202020204"/>
+                <a:cs typeface="Arial" panose="020B0704020202020204"/>
               </a:rPr>
               <a:t> </a:t>
             </a:r>
             <a:r>
               <a:rPr sz="1800" spc="-10" dirty="0">
-                <a:latin typeface="Arial"/>
-                <a:cs typeface="Arial"/>
+                <a:latin typeface="Arial" panose="020B0704020202020204"/>
+                <a:cs typeface="Arial" panose="020B0704020202020204"/>
               </a:rPr>
               <a:t>Valley</a:t>
             </a:r>
             <a:r>
               <a:rPr sz="1800" spc="-30" dirty="0">
-                <a:latin typeface="Arial"/>
-                <a:cs typeface="Arial"/>
+                <a:latin typeface="Arial" panose="020B0704020202020204"/>
+                <a:cs typeface="Arial" panose="020B0704020202020204"/>
               </a:rPr>
               <a:t> </a:t>
             </a:r>
             <a:r>
               <a:rPr sz="1800" spc="-10" dirty="0">
-                <a:latin typeface="Arial"/>
-                <a:cs typeface="Arial"/>
+                <a:latin typeface="Arial" panose="020B0704020202020204"/>
+                <a:cs typeface="Arial" panose="020B0704020202020204"/>
               </a:rPr>
               <a:t>Furniture)</a:t>
             </a:r>
             <a:endParaRPr sz="1800">
-              <a:latin typeface="Arial"/>
-              <a:cs typeface="Arial"/>
+              <a:latin typeface="Arial" panose="020B0704020202020204"/>
+              <a:cs typeface="Arial" panose="020B0704020202020204"/>
             </a:endParaRPr>
           </a:p>
         </p:txBody>
@@ -14729,7 +14686,7 @@
           <p:nvPr/>
         </p:nvPicPr>
         <p:blipFill>
-          <a:blip r:embed="rId2" cstate="print"/>
+          <a:blip r:embed="rId1" cstate="print"/>
           <a:stretch>
             <a:fillRect/>
           </a:stretch>
@@ -14834,6 +14791,7 @@
               <a:rPr spc="-10" dirty="0"/>
               <a:t>MATRICES</a:t>
             </a:r>
+            <a:endParaRPr spc="-10" dirty="0"/>
           </a:p>
         </p:txBody>
       </p:sp>
@@ -14867,7 +14825,7 @@
                 <a:spcPct val="100000"/>
               </a:lnSpc>
               <a:spcBef>
-                <a:spcPts val="869"/>
+                <a:spcPts val="870"/>
               </a:spcBef>
             </a:pPr>
             <a:r>
@@ -14990,7 +14948,7 @@
           <a:p>
             <a:pPr marL="418465" marR="2466340" indent="-98425">
               <a:lnSpc>
-                <a:spcPct val="122700"/>
+                <a:spcPct val="123000"/>
               </a:lnSpc>
             </a:pPr>
             <a:r>
@@ -15093,8 +15051,8 @@
                 <a:solidFill>
                   <a:srgbClr val="1CACE3"/>
                 </a:solidFill>
-                <a:latin typeface="Wingdings 3"/>
-                <a:cs typeface="Wingdings 3"/>
+                <a:latin typeface="Wingdings 3" panose="05040102010807070707"/>
+                <a:cs typeface="Wingdings 3" panose="05040102010807070707"/>
               </a:rPr>
               <a:t></a:t>
             </a:r>
@@ -15123,8 +15081,8 @@
               <a:t>information</a:t>
             </a:r>
             <a:endParaRPr sz="2400" dirty="0">
-              <a:latin typeface="Wingdings 3"/>
-              <a:cs typeface="Wingdings 3"/>
+              <a:latin typeface="Wingdings 3" panose="05040102010807070707"/>
+              <a:cs typeface="Wingdings 3" panose="05040102010807070707"/>
             </a:endParaRPr>
           </a:p>
           <a:p>
@@ -15141,8 +15099,8 @@
                 <a:solidFill>
                   <a:srgbClr val="1CACE3"/>
                 </a:solidFill>
-                <a:latin typeface="Wingdings 3"/>
-                <a:cs typeface="Wingdings 3"/>
+                <a:latin typeface="Wingdings 3" panose="05040102010807070707"/>
+                <a:cs typeface="Wingdings 3" panose="05040102010807070707"/>
               </a:rPr>
               <a:t></a:t>
             </a:r>
@@ -15171,8 +15129,8 @@
               <a:t>construction</a:t>
             </a:r>
             <a:endParaRPr sz="2400" dirty="0">
-              <a:latin typeface="Wingdings 3"/>
-              <a:cs typeface="Wingdings 3"/>
+              <a:latin typeface="Wingdings 3" panose="05040102010807070707"/>
+              <a:cs typeface="Wingdings 3" panose="05040102010807070707"/>
             </a:endParaRPr>
           </a:p>
           <a:p>
@@ -15189,8 +15147,8 @@
                 <a:solidFill>
                   <a:srgbClr val="1CACE3"/>
                 </a:solidFill>
-                <a:latin typeface="Wingdings 3"/>
-                <a:cs typeface="Wingdings 3"/>
+                <a:latin typeface="Wingdings 3" panose="05040102010807070707"/>
+                <a:cs typeface="Wingdings 3" panose="05040102010807070707"/>
               </a:rPr>
               <a:t></a:t>
             </a:r>
@@ -15278,14 +15236,14 @@
                 <a:solidFill>
                   <a:srgbClr val="000000"/>
                 </a:solidFill>
-                <a:latin typeface="Wingdings 3"/>
-                <a:cs typeface="Wingdings 3"/>
+                <a:latin typeface="Wingdings 3" panose="05040102010807070707"/>
+                <a:cs typeface="Wingdings 3" panose="05040102010807070707"/>
               </a:rPr>
               <a:t>	</a:t>
             </a:r>
             <a:endParaRPr sz="2400" dirty="0">
-              <a:latin typeface="Wingdings 3"/>
-              <a:cs typeface="Wingdings 3"/>
+              <a:latin typeface="Wingdings 3" panose="05040102010807070707"/>
+              <a:cs typeface="Wingdings 3" panose="05040102010807070707"/>
             </a:endParaRPr>
           </a:p>
         </p:txBody>
@@ -15356,6 +15314,7 @@
               <a:rPr spc="-10" dirty="0"/>
               <a:t>CLUSTERING</a:t>
             </a:r>
+            <a:endParaRPr spc="-10" dirty="0"/>
           </a:p>
         </p:txBody>
       </p:sp>
@@ -15899,7 +15858,7 @@
                 <a:spcPts val="3690"/>
               </a:lnSpc>
               <a:spcBef>
-                <a:spcPts val="229"/>
+                <a:spcPts val="230"/>
               </a:spcBef>
             </a:pPr>
             <a:r>
@@ -16188,8 +16147,8 @@
                 <a:solidFill>
                   <a:srgbClr val="1CACE3"/>
                 </a:solidFill>
-                <a:latin typeface="Wingdings 3"/>
-                <a:cs typeface="Wingdings 3"/>
+                <a:latin typeface="Wingdings 3" panose="05040102010807070707"/>
+                <a:cs typeface="Wingdings 3" panose="05040102010807070707"/>
               </a:rPr>
               <a:t></a:t>
             </a:r>
@@ -16198,8 +16157,8 @@
                 <a:solidFill>
                   <a:srgbClr val="1CACE3"/>
                 </a:solidFill>
-                <a:latin typeface="Times New Roman"/>
-                <a:cs typeface="Times New Roman"/>
+                <a:latin typeface="Times New Roman" panose="02020603050405020304"/>
+                <a:cs typeface="Times New Roman" panose="02020603050405020304"/>
               </a:rPr>
               <a:t> </a:t>
             </a:r>
@@ -16312,7 +16271,7 @@
                 <a:spcPct val="100000"/>
               </a:lnSpc>
               <a:spcBef>
-                <a:spcPts val="259"/>
+                <a:spcPts val="260"/>
               </a:spcBef>
             </a:pPr>
             <a:r>
@@ -16320,8 +16279,8 @@
                 <a:solidFill>
                   <a:srgbClr val="1CACE3"/>
                 </a:solidFill>
-                <a:latin typeface="Wingdings 3"/>
-                <a:cs typeface="Wingdings 3"/>
+                <a:latin typeface="Wingdings 3" panose="05040102010807070707"/>
+                <a:cs typeface="Wingdings 3" panose="05040102010807070707"/>
               </a:rPr>
               <a:t></a:t>
             </a:r>
@@ -16547,6 +16506,7 @@
               <a:rPr spc="-20" dirty="0"/>
               <a:t>PLAN</a:t>
             </a:r>
+            <a:endParaRPr spc="-20" dirty="0"/>
           </a:p>
         </p:txBody>
       </p:sp>
@@ -16557,7 +16517,7 @@
           <p:nvPr/>
         </p:nvPicPr>
         <p:blipFill>
-          <a:blip r:embed="rId2" cstate="print"/>
+          <a:blip r:embed="rId1" cstate="print"/>
           <a:stretch>
             <a:fillRect/>
           </a:stretch>
@@ -16603,119 +16563,119 @@
             </a:pPr>
             <a:r>
               <a:rPr sz="1800" dirty="0">
-                <a:latin typeface="Arial"/>
-                <a:cs typeface="Arial"/>
+                <a:latin typeface="Arial" panose="020B0704020202020204"/>
+                <a:cs typeface="Arial" panose="020B0704020202020204"/>
               </a:rPr>
               <a:t>Systems</a:t>
             </a:r>
             <a:r>
               <a:rPr sz="1800" spc="-15" dirty="0">
-                <a:latin typeface="Arial"/>
-                <a:cs typeface="Arial"/>
+                <a:latin typeface="Arial" panose="020B0704020202020204"/>
+                <a:cs typeface="Arial" panose="020B0704020202020204"/>
               </a:rPr>
               <a:t> </a:t>
             </a:r>
             <a:r>
               <a:rPr sz="1800" dirty="0">
-                <a:latin typeface="Arial"/>
-                <a:cs typeface="Arial"/>
+                <a:latin typeface="Arial" panose="020B0704020202020204"/>
+                <a:cs typeface="Arial" panose="020B0704020202020204"/>
               </a:rPr>
               <a:t>development</a:t>
             </a:r>
             <a:r>
               <a:rPr sz="1800" spc="-25" dirty="0">
-                <a:latin typeface="Arial"/>
-                <a:cs typeface="Arial"/>
+                <a:latin typeface="Arial" panose="020B0704020202020204"/>
+                <a:cs typeface="Arial" panose="020B0704020202020204"/>
               </a:rPr>
               <a:t> </a:t>
             </a:r>
             <a:r>
               <a:rPr sz="1800" dirty="0">
-                <a:latin typeface="Arial"/>
-                <a:cs typeface="Arial"/>
+                <a:latin typeface="Arial" panose="020B0704020202020204"/>
+                <a:cs typeface="Arial" panose="020B0704020202020204"/>
               </a:rPr>
               <a:t>projects</a:t>
             </a:r>
             <a:r>
               <a:rPr sz="1800" spc="-10" dirty="0">
-                <a:latin typeface="Arial"/>
-                <a:cs typeface="Arial"/>
+                <a:latin typeface="Arial" panose="020B0704020202020204"/>
+                <a:cs typeface="Arial" panose="020B0704020202020204"/>
               </a:rPr>
               <a:t> </a:t>
             </a:r>
             <a:r>
               <a:rPr sz="1800" dirty="0">
-                <a:latin typeface="Arial"/>
-                <a:cs typeface="Arial"/>
+                <a:latin typeface="Arial" panose="020B0704020202020204"/>
+                <a:cs typeface="Arial" panose="020B0704020202020204"/>
               </a:rPr>
               <a:t>flow</a:t>
             </a:r>
             <a:r>
               <a:rPr sz="1800" spc="-20" dirty="0">
-                <a:latin typeface="Arial"/>
-                <a:cs typeface="Arial"/>
+                <a:latin typeface="Arial" panose="020B0704020202020204"/>
+                <a:cs typeface="Arial" panose="020B0704020202020204"/>
               </a:rPr>
               <a:t> </a:t>
             </a:r>
             <a:r>
               <a:rPr sz="1800" dirty="0">
-                <a:latin typeface="Arial"/>
-                <a:cs typeface="Arial"/>
+                <a:latin typeface="Arial" panose="020B0704020202020204"/>
+                <a:cs typeface="Arial" panose="020B0704020202020204"/>
               </a:rPr>
               <a:t>from</a:t>
             </a:r>
             <a:r>
               <a:rPr sz="1800" spc="-15" dirty="0">
-                <a:latin typeface="Arial"/>
-                <a:cs typeface="Arial"/>
+                <a:latin typeface="Arial" panose="020B0704020202020204"/>
+                <a:cs typeface="Arial" panose="020B0704020202020204"/>
               </a:rPr>
               <a:t> </a:t>
             </a:r>
             <a:r>
               <a:rPr sz="1800" dirty="0">
-                <a:latin typeface="Arial"/>
-                <a:cs typeface="Arial"/>
+                <a:latin typeface="Arial" panose="020B0704020202020204"/>
+                <a:cs typeface="Arial" panose="020B0704020202020204"/>
               </a:rPr>
               <a:t>the</a:t>
             </a:r>
             <a:r>
               <a:rPr sz="1800" spc="-10" dirty="0">
-                <a:latin typeface="Arial"/>
-                <a:cs typeface="Arial"/>
+                <a:latin typeface="Arial" panose="020B0704020202020204"/>
+                <a:cs typeface="Arial" panose="020B0704020202020204"/>
               </a:rPr>
               <a:t> </a:t>
             </a:r>
             <a:r>
               <a:rPr sz="1800" dirty="0">
-                <a:latin typeface="Arial"/>
-                <a:cs typeface="Arial"/>
+                <a:latin typeface="Arial" panose="020B0704020202020204"/>
+                <a:cs typeface="Arial" panose="020B0704020202020204"/>
               </a:rPr>
               <a:t>information</a:t>
             </a:r>
             <a:r>
               <a:rPr sz="1800" spc="-25" dirty="0">
-                <a:latin typeface="Arial"/>
-                <a:cs typeface="Arial"/>
+                <a:latin typeface="Arial" panose="020B0704020202020204"/>
+                <a:cs typeface="Arial" panose="020B0704020202020204"/>
               </a:rPr>
               <a:t> </a:t>
             </a:r>
             <a:r>
               <a:rPr sz="1800" dirty="0">
-                <a:latin typeface="Arial"/>
-                <a:cs typeface="Arial"/>
+                <a:latin typeface="Arial" panose="020B0704020202020204"/>
+                <a:cs typeface="Arial" panose="020B0704020202020204"/>
               </a:rPr>
               <a:t>systems</a:t>
             </a:r>
             <a:r>
               <a:rPr sz="1800" spc="-10" dirty="0">
-                <a:latin typeface="Arial"/>
-                <a:cs typeface="Arial"/>
+                <a:latin typeface="Arial" panose="020B0704020202020204"/>
+                <a:cs typeface="Arial" panose="020B0704020202020204"/>
               </a:rPr>
               <a:t> plan.</a:t>
             </a:r>
             <a:endParaRPr sz="1800">
-              <a:latin typeface="Arial"/>
-              <a:cs typeface="Arial"/>
+              <a:latin typeface="Arial" panose="020B0704020202020204"/>
+              <a:cs typeface="Arial" panose="020B0704020202020204"/>
             </a:endParaRPr>
           </a:p>
         </p:txBody>
@@ -16747,20 +16707,14 @@
       </p:grpSpPr>
       <p:pic>
         <p:nvPicPr>
-          <p:cNvPr id="5" name="Picture 4">
-            <a:extLst>
-              <a:ext uri="{FF2B5EF4-FFF2-40B4-BE49-F238E27FC236}">
-                <a16:creationId xmlns:a16="http://schemas.microsoft.com/office/drawing/2014/main" id="{B0A70C8C-4EA6-B077-AEC6-C255165A9818}"/>
-              </a:ext>
-            </a:extLst>
-          </p:cNvPr>
+          <p:cNvPr id="5" name="Picture 4"/>
           <p:cNvPicPr>
             <a:picLocks noChangeAspect="1"/>
           </p:cNvPicPr>
           <p:nvPr/>
         </p:nvPicPr>
         <p:blipFill>
-          <a:blip r:embed="rId2"/>
+          <a:blip r:embed="rId1"/>
           <a:stretch>
             <a:fillRect/>
           </a:stretch>
@@ -16776,11 +16730,6 @@
         </p:spPr>
       </p:pic>
     </p:spTree>
-    <p:extLst>
-      <p:ext uri="{BB962C8B-B14F-4D97-AF65-F5344CB8AC3E}">
-        <p14:creationId xmlns:p14="http://schemas.microsoft.com/office/powerpoint/2010/main" val="1350535909"/>
-      </p:ext>
-    </p:extLst>
   </p:cSld>
   <p:clrMapOvr>
     <a:masterClrMapping/>
@@ -16850,6 +16799,7 @@
               <a:rPr spc="40" dirty="0"/>
               <a:t>COMMERCE:</a:t>
             </a:r>
+            <a:endParaRPr spc="40" dirty="0"/>
           </a:p>
           <a:p>
             <a:pPr marL="12700">
@@ -16885,6 +16835,7 @@
               <a:rPr spc="35" dirty="0"/>
               <a:t>PROJECTS</a:t>
             </a:r>
+            <a:endParaRPr spc="35" dirty="0"/>
           </a:p>
         </p:txBody>
       </p:sp>
@@ -16895,7 +16846,7 @@
           <p:nvPr/>
         </p:nvPicPr>
         <p:blipFill>
-          <a:blip r:embed="rId2" cstate="print"/>
+          <a:blip r:embed="rId1" cstate="print"/>
           <a:stretch>
             <a:fillRect/>
           </a:stretch>
@@ -16941,63 +16892,63 @@
             </a:pPr>
             <a:r>
               <a:rPr sz="1800" dirty="0">
-                <a:latin typeface="Arial"/>
-                <a:cs typeface="Arial"/>
+                <a:latin typeface="Arial" panose="020B0704020202020204"/>
+                <a:cs typeface="Arial" panose="020B0704020202020204"/>
               </a:rPr>
               <a:t>Three</a:t>
             </a:r>
             <a:r>
               <a:rPr sz="1800" spc="-25" dirty="0">
-                <a:latin typeface="Arial"/>
-                <a:cs typeface="Arial"/>
+                <a:latin typeface="Arial" panose="020B0704020202020204"/>
+                <a:cs typeface="Arial" panose="020B0704020202020204"/>
               </a:rPr>
               <a:t> </a:t>
             </a:r>
             <a:r>
               <a:rPr sz="1800" dirty="0">
-                <a:latin typeface="Arial"/>
-                <a:cs typeface="Arial"/>
+                <a:latin typeface="Arial" panose="020B0704020202020204"/>
+                <a:cs typeface="Arial" panose="020B0704020202020204"/>
               </a:rPr>
               <a:t>possible</a:t>
             </a:r>
             <a:r>
               <a:rPr sz="1800" spc="-25" dirty="0">
-                <a:latin typeface="Arial"/>
-                <a:cs typeface="Arial"/>
+                <a:latin typeface="Arial" panose="020B0704020202020204"/>
+                <a:cs typeface="Arial" panose="020B0704020202020204"/>
               </a:rPr>
               <a:t> </a:t>
             </a:r>
             <a:r>
               <a:rPr sz="1800" dirty="0">
-                <a:latin typeface="Arial"/>
-                <a:cs typeface="Arial"/>
+                <a:latin typeface="Arial" panose="020B0704020202020204"/>
+                <a:cs typeface="Arial" panose="020B0704020202020204"/>
               </a:rPr>
               <a:t>modes</a:t>
             </a:r>
             <a:r>
               <a:rPr sz="1800" spc="-15" dirty="0">
-                <a:latin typeface="Arial"/>
-                <a:cs typeface="Arial"/>
+                <a:latin typeface="Arial" panose="020B0704020202020204"/>
+                <a:cs typeface="Arial" panose="020B0704020202020204"/>
               </a:rPr>
               <a:t> </a:t>
             </a:r>
             <a:r>
               <a:rPr sz="1800" dirty="0">
-                <a:latin typeface="Arial"/>
-                <a:cs typeface="Arial"/>
+                <a:latin typeface="Arial" panose="020B0704020202020204"/>
+                <a:cs typeface="Arial" panose="020B0704020202020204"/>
               </a:rPr>
               <a:t>of</a:t>
             </a:r>
             <a:r>
               <a:rPr sz="1800" spc="-10" dirty="0">
-                <a:latin typeface="Arial"/>
-                <a:cs typeface="Arial"/>
+                <a:latin typeface="Arial" panose="020B0704020202020204"/>
+                <a:cs typeface="Arial" panose="020B0704020202020204"/>
               </a:rPr>
               <a:t> electronic commerce</a:t>
             </a:r>
             <a:endParaRPr sz="1800">
-              <a:latin typeface="Arial"/>
-              <a:cs typeface="Arial"/>
+              <a:latin typeface="Arial" panose="020B0704020202020204"/>
+              <a:cs typeface="Arial" panose="020B0704020202020204"/>
             </a:endParaRPr>
           </a:p>
         </p:txBody>
@@ -17269,8 +17220,8 @@
                 <a:solidFill>
                   <a:srgbClr val="1CACE3"/>
                 </a:solidFill>
-                <a:latin typeface="Wingdings 3"/>
-                <a:cs typeface="Wingdings 3"/>
+                <a:latin typeface="Wingdings 3" panose="05040102010807070707"/>
+                <a:cs typeface="Wingdings 3" panose="05040102010807070707"/>
               </a:rPr>
               <a:t></a:t>
             </a:r>
@@ -17279,8 +17230,8 @@
                 <a:solidFill>
                   <a:srgbClr val="1CACE3"/>
                 </a:solidFill>
-                <a:latin typeface="Times New Roman"/>
-                <a:cs typeface="Times New Roman"/>
+                <a:latin typeface="Times New Roman" panose="02020603050405020304"/>
+                <a:cs typeface="Times New Roman" panose="02020603050405020304"/>
               </a:rPr>
               <a:t>	</a:t>
             </a:r>
@@ -17362,7 +17313,7 @@
         </p:nvSpPr>
         <p:spPr>
           <a:xfrm>
-            <a:off x="3254502" y="2834386"/>
+            <a:off x="3048127" y="3809746"/>
             <a:ext cx="8208645" cy="604520"/>
           </a:xfrm>
           <a:prstGeom prst="rect">
@@ -17391,8 +17342,8 @@
                 <a:solidFill>
                   <a:srgbClr val="1CACE3"/>
                 </a:solidFill>
-                <a:latin typeface="Wingdings 3"/>
-                <a:cs typeface="Wingdings 3"/>
+                <a:latin typeface="Wingdings 3" panose="05040102010807070707"/>
+                <a:cs typeface="Wingdings 3" panose="05040102010807070707"/>
               </a:rPr>
               <a:t></a:t>
             </a:r>
@@ -17401,8 +17352,8 @@
                 <a:solidFill>
                   <a:srgbClr val="1CACE3"/>
                 </a:solidFill>
-                <a:latin typeface="Times New Roman"/>
-                <a:cs typeface="Times New Roman"/>
+                <a:latin typeface="Times New Roman" panose="02020603050405020304"/>
+                <a:cs typeface="Times New Roman" panose="02020603050405020304"/>
               </a:rPr>
               <a:t>	</a:t>
             </a:r>
@@ -17709,7 +17660,7 @@
                 <a:spcPts val="3020"/>
               </a:lnSpc>
               <a:spcBef>
-                <a:spcPts val="484"/>
+                <a:spcPts val="485"/>
               </a:spcBef>
             </a:pPr>
             <a:r>
@@ -18475,7 +18426,7 @@
                 <a:spcPts val="3020"/>
               </a:lnSpc>
               <a:spcBef>
-                <a:spcPts val="484"/>
+                <a:spcPts val="485"/>
               </a:spcBef>
             </a:pPr>
             <a:r>
@@ -19452,7 +19403,7 @@
           <p:nvPr/>
         </p:nvPicPr>
         <p:blipFill>
-          <a:blip r:embed="rId2" cstate="print"/>
+          <a:blip r:embed="rId1" cstate="print"/>
           <a:stretch>
             <a:fillRect/>
           </a:stretch>
@@ -19525,6 +19476,7 @@
               <a:rPr spc="35" dirty="0"/>
               <a:t>SUMMARY</a:t>
             </a:r>
+            <a:endParaRPr spc="35" dirty="0"/>
           </a:p>
         </p:txBody>
       </p:sp>
@@ -19549,7 +19501,7 @@
           </a:bodyPr>
           <a:lstStyle/>
           <a:p>
-            <a:pPr marL="14604">
+            <a:pPr marL="14605">
               <a:lnSpc>
                 <a:spcPct val="100000"/>
               </a:lnSpc>
@@ -19703,8 +19655,8 @@
               <a:buClr>
                 <a:srgbClr val="B92112"/>
               </a:buClr>
-              <a:buSzPct val="96153"/>
-              <a:buFont typeface="Wingdings"/>
+              <a:buSzPct val="96000"/>
+              <a:buFont typeface="Wingdings" panose="05000000000000000000"/>
               <a:buChar char=""/>
               <a:tabLst>
                 <a:tab pos="271145" algn="l"/>
@@ -19887,8 +19839,8 @@
               <a:buClr>
                 <a:srgbClr val="B92112"/>
               </a:buClr>
-              <a:buSzPct val="96153"/>
-              <a:buFont typeface="Wingdings"/>
+              <a:buSzPct val="96000"/>
+              <a:buFont typeface="Wingdings" panose="05000000000000000000"/>
               <a:buChar char=""/>
               <a:tabLst>
                 <a:tab pos="115570" algn="l"/>
@@ -20108,8 +20060,8 @@
               <a:buClr>
                 <a:srgbClr val="B92112"/>
               </a:buClr>
-              <a:buSzPct val="96153"/>
-              <a:buFont typeface="Wingdings"/>
+              <a:buSzPct val="96000"/>
+              <a:buFont typeface="Wingdings" panose="05000000000000000000"/>
               <a:buChar char=""/>
               <a:tabLst>
                 <a:tab pos="115570" algn="l"/>
@@ -20561,8 +20513,8 @@
                 <a:solidFill>
                   <a:srgbClr val="1CACE3"/>
                 </a:solidFill>
-                <a:latin typeface="Wingdings 3"/>
-                <a:cs typeface="Wingdings 3"/>
+                <a:latin typeface="Wingdings 3" panose="05040102010807070707"/>
+                <a:cs typeface="Wingdings 3" panose="05040102010807070707"/>
               </a:rPr>
               <a:t></a:t>
             </a:r>
@@ -20571,8 +20523,8 @@
                 <a:solidFill>
                   <a:srgbClr val="1CACE3"/>
                 </a:solidFill>
-                <a:latin typeface="Times New Roman"/>
-                <a:cs typeface="Times New Roman"/>
+                <a:latin typeface="Times New Roman" panose="02020603050405020304"/>
+                <a:cs typeface="Times New Roman" panose="02020603050405020304"/>
               </a:rPr>
               <a:t>	</a:t>
             </a:r>
@@ -20787,8 +20739,8 @@
                 <a:solidFill>
                   <a:srgbClr val="1CACE3"/>
                 </a:solidFill>
-                <a:latin typeface="Wingdings 3"/>
-                <a:cs typeface="Wingdings 3"/>
+                <a:latin typeface="Wingdings 3" panose="05040102010807070707"/>
+                <a:cs typeface="Wingdings 3" panose="05040102010807070707"/>
               </a:rPr>
               <a:t></a:t>
             </a:r>
@@ -20797,8 +20749,8 @@
                 <a:solidFill>
                   <a:srgbClr val="1CACE3"/>
                 </a:solidFill>
-                <a:latin typeface="Times New Roman"/>
-                <a:cs typeface="Times New Roman"/>
+                <a:latin typeface="Times New Roman" panose="02020603050405020304"/>
+                <a:cs typeface="Times New Roman" panose="02020603050405020304"/>
               </a:rPr>
               <a:t>	</a:t>
             </a:r>
@@ -21013,8 +20965,8 @@
                 <a:solidFill>
                   <a:srgbClr val="1CACE3"/>
                 </a:solidFill>
-                <a:latin typeface="Wingdings 3"/>
-                <a:cs typeface="Wingdings 3"/>
+                <a:latin typeface="Wingdings 3" panose="05040102010807070707"/>
+                <a:cs typeface="Wingdings 3" panose="05040102010807070707"/>
               </a:rPr>
               <a:t></a:t>
             </a:r>
@@ -21023,8 +20975,8 @@
                 <a:solidFill>
                   <a:srgbClr val="1CACE3"/>
                 </a:solidFill>
-                <a:latin typeface="Times New Roman"/>
-                <a:cs typeface="Times New Roman"/>
+                <a:latin typeface="Times New Roman" panose="02020603050405020304"/>
+                <a:cs typeface="Times New Roman" panose="02020603050405020304"/>
               </a:rPr>
               <a:t>	</a:t>
             </a:r>
@@ -21175,8 +21127,8 @@
                 <a:solidFill>
                   <a:srgbClr val="000000"/>
                 </a:solidFill>
-                <a:latin typeface="Arial"/>
-                <a:cs typeface="Arial"/>
+                <a:latin typeface="Arial" panose="020B0704020202020204"/>
+                <a:cs typeface="Arial" panose="020B0704020202020204"/>
               </a:rPr>
               <a:t>The</a:t>
             </a:r>
@@ -21185,8 +21137,8 @@
                 <a:solidFill>
                   <a:srgbClr val="000000"/>
                 </a:solidFill>
-                <a:latin typeface="Arial"/>
-                <a:cs typeface="Arial"/>
+                <a:latin typeface="Arial" panose="020B0704020202020204"/>
+                <a:cs typeface="Arial" panose="020B0704020202020204"/>
               </a:rPr>
               <a:t> </a:t>
             </a:r>
@@ -21195,8 +21147,8 @@
                 <a:solidFill>
                   <a:srgbClr val="000000"/>
                 </a:solidFill>
-                <a:latin typeface="Arial"/>
-                <a:cs typeface="Arial"/>
+                <a:latin typeface="Arial" panose="020B0704020202020204"/>
+                <a:cs typeface="Arial" panose="020B0704020202020204"/>
               </a:rPr>
               <a:t>Process</a:t>
             </a:r>
@@ -21205,8 +21157,8 @@
                 <a:solidFill>
                   <a:srgbClr val="000000"/>
                 </a:solidFill>
-                <a:latin typeface="Arial"/>
-                <a:cs typeface="Arial"/>
+                <a:latin typeface="Arial" panose="020B0704020202020204"/>
+                <a:cs typeface="Arial" panose="020B0704020202020204"/>
               </a:rPr>
               <a:t> </a:t>
             </a:r>
@@ -21215,8 +21167,8 @@
                 <a:solidFill>
                   <a:srgbClr val="000000"/>
                 </a:solidFill>
-                <a:latin typeface="Arial"/>
-                <a:cs typeface="Arial"/>
+                <a:latin typeface="Arial" panose="020B0704020202020204"/>
+                <a:cs typeface="Arial" panose="020B0704020202020204"/>
               </a:rPr>
               <a:t>of</a:t>
             </a:r>
@@ -21225,8 +21177,8 @@
                 <a:solidFill>
                   <a:srgbClr val="000000"/>
                 </a:solidFill>
-                <a:latin typeface="Arial"/>
-                <a:cs typeface="Arial"/>
+                <a:latin typeface="Arial" panose="020B0704020202020204"/>
+                <a:cs typeface="Arial" panose="020B0704020202020204"/>
               </a:rPr>
               <a:t> </a:t>
             </a:r>
@@ -21235,8 +21187,8 @@
                 <a:solidFill>
                   <a:srgbClr val="000000"/>
                 </a:solidFill>
-                <a:latin typeface="Arial"/>
-                <a:cs typeface="Arial"/>
+                <a:latin typeface="Arial" panose="020B0704020202020204"/>
+                <a:cs typeface="Arial" panose="020B0704020202020204"/>
               </a:rPr>
               <a:t>Identifying</a:t>
             </a:r>
@@ -21245,8 +21197,8 @@
                 <a:solidFill>
                   <a:srgbClr val="000000"/>
                 </a:solidFill>
-                <a:latin typeface="Arial"/>
-                <a:cs typeface="Arial"/>
+                <a:latin typeface="Arial" panose="020B0704020202020204"/>
+                <a:cs typeface="Arial" panose="020B0704020202020204"/>
               </a:rPr>
               <a:t> </a:t>
             </a:r>
@@ -21255,8 +21207,8 @@
                 <a:solidFill>
                   <a:srgbClr val="000000"/>
                 </a:solidFill>
-                <a:latin typeface="Arial"/>
-                <a:cs typeface="Arial"/>
+                <a:latin typeface="Arial" panose="020B0704020202020204"/>
+                <a:cs typeface="Arial" panose="020B0704020202020204"/>
               </a:rPr>
               <a:t>and</a:t>
             </a:r>
@@ -21265,8 +21217,8 @@
                 <a:solidFill>
                   <a:srgbClr val="000000"/>
                 </a:solidFill>
-                <a:latin typeface="Arial"/>
-                <a:cs typeface="Arial"/>
+                <a:latin typeface="Arial" panose="020B0704020202020204"/>
+                <a:cs typeface="Arial" panose="020B0704020202020204"/>
               </a:rPr>
               <a:t> </a:t>
             </a:r>
@@ -21275,8 +21227,8 @@
                 <a:solidFill>
                   <a:srgbClr val="000000"/>
                 </a:solidFill>
-                <a:latin typeface="Arial"/>
-                <a:cs typeface="Arial"/>
+                <a:latin typeface="Arial" panose="020B0704020202020204"/>
+                <a:cs typeface="Arial" panose="020B0704020202020204"/>
               </a:rPr>
               <a:t>Selecting </a:t>
             </a:r>
@@ -21285,8 +21237,8 @@
                 <a:solidFill>
                   <a:srgbClr val="000000"/>
                 </a:solidFill>
-                <a:latin typeface="Arial"/>
-                <a:cs typeface="Arial"/>
+                <a:latin typeface="Arial" panose="020B0704020202020204"/>
+                <a:cs typeface="Arial" panose="020B0704020202020204"/>
               </a:rPr>
               <a:t>IS</a:t>
             </a:r>
@@ -21295,8 +21247,8 @@
                 <a:solidFill>
                   <a:srgbClr val="000000"/>
                 </a:solidFill>
-                <a:latin typeface="Arial"/>
-                <a:cs typeface="Arial"/>
+                <a:latin typeface="Arial" panose="020B0704020202020204"/>
+                <a:cs typeface="Arial" panose="020B0704020202020204"/>
               </a:rPr>
               <a:t> </a:t>
             </a:r>
@@ -21305,8 +21257,8 @@
                 <a:solidFill>
                   <a:srgbClr val="000000"/>
                 </a:solidFill>
-                <a:latin typeface="Arial"/>
-                <a:cs typeface="Arial"/>
+                <a:latin typeface="Arial" panose="020B0704020202020204"/>
+                <a:cs typeface="Arial" panose="020B0704020202020204"/>
               </a:rPr>
               <a:t>Development</a:t>
             </a:r>
@@ -21315,8 +21267,8 @@
                 <a:solidFill>
                   <a:srgbClr val="000000"/>
                 </a:solidFill>
-                <a:latin typeface="Arial"/>
-                <a:cs typeface="Arial"/>
+                <a:latin typeface="Arial" panose="020B0704020202020204"/>
+                <a:cs typeface="Arial" panose="020B0704020202020204"/>
               </a:rPr>
               <a:t> </a:t>
             </a:r>
@@ -21325,8 +21277,8 @@
                 <a:solidFill>
                   <a:srgbClr val="000000"/>
                 </a:solidFill>
-                <a:latin typeface="Arial"/>
-                <a:cs typeface="Arial"/>
+                <a:latin typeface="Arial" panose="020B0704020202020204"/>
+                <a:cs typeface="Arial" panose="020B0704020202020204"/>
               </a:rPr>
               <a:t>Projects</a:t>
             </a:r>
@@ -21335,14 +21287,14 @@
                 <a:solidFill>
                   <a:srgbClr val="000000"/>
                 </a:solidFill>
-                <a:latin typeface="Arial"/>
-                <a:cs typeface="Arial"/>
+                <a:latin typeface="Arial" panose="020B0704020202020204"/>
+                <a:cs typeface="Arial" panose="020B0704020202020204"/>
               </a:rPr>
               <a:t> (Cont.)</a:t>
             </a:r>
             <a:endParaRPr sz="3200">
-              <a:latin typeface="Arial"/>
-              <a:cs typeface="Arial"/>
+              <a:latin typeface="Arial" panose="020B0704020202020204"/>
+              <a:cs typeface="Arial" panose="020B0704020202020204"/>
             </a:endParaRPr>
           </a:p>
         </p:txBody>
@@ -21354,7 +21306,7 @@
           <p:nvPr/>
         </p:nvPicPr>
         <p:blipFill>
-          <a:blip r:embed="rId2" cstate="print"/>
+          <a:blip r:embed="rId1" cstate="print"/>
           <a:stretch>
             <a:fillRect/>
           </a:stretch>
@@ -21705,8 +21657,8 @@
                 <a:solidFill>
                   <a:srgbClr val="1CACE3"/>
                 </a:solidFill>
-                <a:latin typeface="Wingdings 3"/>
-                <a:cs typeface="Wingdings 3"/>
+                <a:latin typeface="Wingdings 3" panose="05040102010807070707"/>
+                <a:cs typeface="Wingdings 3" panose="05040102010807070707"/>
               </a:rPr>
               <a:t></a:t>
             </a:r>
@@ -21715,8 +21667,8 @@
                 <a:solidFill>
                   <a:srgbClr val="1CACE3"/>
                 </a:solidFill>
-                <a:latin typeface="Times New Roman"/>
-                <a:cs typeface="Times New Roman"/>
+                <a:latin typeface="Times New Roman" panose="02020603050405020304"/>
+                <a:cs typeface="Times New Roman" panose="02020603050405020304"/>
               </a:rPr>
               <a:t>	</a:t>
             </a:r>
@@ -21833,7 +21785,7 @@
           <a:p>
             <a:pPr marL="927100" marR="5080">
               <a:lnSpc>
-                <a:spcPct val="90100"/>
+                <a:spcPct val="90000"/>
               </a:lnSpc>
               <a:spcBef>
                 <a:spcPts val="1500"/>
@@ -22819,8 +22771,8 @@
                 <a:solidFill>
                   <a:srgbClr val="000000"/>
                 </a:solidFill>
-                <a:latin typeface="Arial"/>
-                <a:cs typeface="Arial"/>
+                <a:latin typeface="Arial" panose="020B0704020202020204"/>
+                <a:cs typeface="Arial" panose="020B0704020202020204"/>
               </a:rPr>
               <a:t>The</a:t>
             </a:r>
@@ -22829,8 +22781,8 @@
                 <a:solidFill>
                   <a:srgbClr val="000000"/>
                 </a:solidFill>
-                <a:latin typeface="Arial"/>
-                <a:cs typeface="Arial"/>
+                <a:latin typeface="Arial" panose="020B0704020202020204"/>
+                <a:cs typeface="Arial" panose="020B0704020202020204"/>
               </a:rPr>
               <a:t> </a:t>
             </a:r>
@@ -22839,8 +22791,8 @@
                 <a:solidFill>
                   <a:srgbClr val="000000"/>
                 </a:solidFill>
-                <a:latin typeface="Arial"/>
-                <a:cs typeface="Arial"/>
+                <a:latin typeface="Arial" panose="020B0704020202020204"/>
+                <a:cs typeface="Arial" panose="020B0704020202020204"/>
               </a:rPr>
               <a:t>Process</a:t>
             </a:r>
@@ -22849,8 +22801,8 @@
                 <a:solidFill>
                   <a:srgbClr val="000000"/>
                 </a:solidFill>
-                <a:latin typeface="Arial"/>
-                <a:cs typeface="Arial"/>
+                <a:latin typeface="Arial" panose="020B0704020202020204"/>
+                <a:cs typeface="Arial" panose="020B0704020202020204"/>
               </a:rPr>
               <a:t> </a:t>
             </a:r>
@@ -22859,8 +22811,8 @@
                 <a:solidFill>
                   <a:srgbClr val="000000"/>
                 </a:solidFill>
-                <a:latin typeface="Arial"/>
-                <a:cs typeface="Arial"/>
+                <a:latin typeface="Arial" panose="020B0704020202020204"/>
+                <a:cs typeface="Arial" panose="020B0704020202020204"/>
               </a:rPr>
               <a:t>of</a:t>
             </a:r>
@@ -22869,8 +22821,8 @@
                 <a:solidFill>
                   <a:srgbClr val="000000"/>
                 </a:solidFill>
-                <a:latin typeface="Arial"/>
-                <a:cs typeface="Arial"/>
+                <a:latin typeface="Arial" panose="020B0704020202020204"/>
+                <a:cs typeface="Arial" panose="020B0704020202020204"/>
               </a:rPr>
               <a:t> </a:t>
             </a:r>
@@ -22879,8 +22831,8 @@
                 <a:solidFill>
                   <a:srgbClr val="000000"/>
                 </a:solidFill>
-                <a:latin typeface="Arial"/>
-                <a:cs typeface="Arial"/>
+                <a:latin typeface="Arial" panose="020B0704020202020204"/>
+                <a:cs typeface="Arial" panose="020B0704020202020204"/>
               </a:rPr>
               <a:t>Identifying</a:t>
             </a:r>
@@ -22889,8 +22841,8 @@
                 <a:solidFill>
                   <a:srgbClr val="000000"/>
                 </a:solidFill>
-                <a:latin typeface="Arial"/>
-                <a:cs typeface="Arial"/>
+                <a:latin typeface="Arial" panose="020B0704020202020204"/>
+                <a:cs typeface="Arial" panose="020B0704020202020204"/>
               </a:rPr>
               <a:t> </a:t>
             </a:r>
@@ -22899,8 +22851,8 @@
                 <a:solidFill>
                   <a:srgbClr val="000000"/>
                 </a:solidFill>
-                <a:latin typeface="Arial"/>
-                <a:cs typeface="Arial"/>
+                <a:latin typeface="Arial" panose="020B0704020202020204"/>
+                <a:cs typeface="Arial" panose="020B0704020202020204"/>
               </a:rPr>
               <a:t>and</a:t>
             </a:r>
@@ -22909,8 +22861,8 @@
                 <a:solidFill>
                   <a:srgbClr val="000000"/>
                 </a:solidFill>
-                <a:latin typeface="Arial"/>
-                <a:cs typeface="Arial"/>
+                <a:latin typeface="Arial" panose="020B0704020202020204"/>
+                <a:cs typeface="Arial" panose="020B0704020202020204"/>
               </a:rPr>
               <a:t> </a:t>
             </a:r>
@@ -22919,8 +22871,8 @@
                 <a:solidFill>
                   <a:srgbClr val="000000"/>
                 </a:solidFill>
-                <a:latin typeface="Arial"/>
-                <a:cs typeface="Arial"/>
+                <a:latin typeface="Arial" panose="020B0704020202020204"/>
+                <a:cs typeface="Arial" panose="020B0704020202020204"/>
               </a:rPr>
               <a:t>Selecting </a:t>
             </a:r>
@@ -22929,8 +22881,8 @@
                 <a:solidFill>
                   <a:srgbClr val="000000"/>
                 </a:solidFill>
-                <a:latin typeface="Arial"/>
-                <a:cs typeface="Arial"/>
+                <a:latin typeface="Arial" panose="020B0704020202020204"/>
+                <a:cs typeface="Arial" panose="020B0704020202020204"/>
               </a:rPr>
               <a:t>IS</a:t>
             </a:r>
@@ -22939,8 +22891,8 @@
                 <a:solidFill>
                   <a:srgbClr val="000000"/>
                 </a:solidFill>
-                <a:latin typeface="Arial"/>
-                <a:cs typeface="Arial"/>
+                <a:latin typeface="Arial" panose="020B0704020202020204"/>
+                <a:cs typeface="Arial" panose="020B0704020202020204"/>
               </a:rPr>
               <a:t> </a:t>
             </a:r>
@@ -22949,8 +22901,8 @@
                 <a:solidFill>
                   <a:srgbClr val="000000"/>
                 </a:solidFill>
-                <a:latin typeface="Arial"/>
-                <a:cs typeface="Arial"/>
+                <a:latin typeface="Arial" panose="020B0704020202020204"/>
+                <a:cs typeface="Arial" panose="020B0704020202020204"/>
               </a:rPr>
               <a:t>Development</a:t>
             </a:r>
@@ -22959,8 +22911,8 @@
                 <a:solidFill>
                   <a:srgbClr val="000000"/>
                 </a:solidFill>
-                <a:latin typeface="Arial"/>
-                <a:cs typeface="Arial"/>
+                <a:latin typeface="Arial" panose="020B0704020202020204"/>
+                <a:cs typeface="Arial" panose="020B0704020202020204"/>
               </a:rPr>
               <a:t> </a:t>
             </a:r>
@@ -22969,8 +22921,8 @@
                 <a:solidFill>
                   <a:srgbClr val="000000"/>
                 </a:solidFill>
-                <a:latin typeface="Arial"/>
-                <a:cs typeface="Arial"/>
+                <a:latin typeface="Arial" panose="020B0704020202020204"/>
+                <a:cs typeface="Arial" panose="020B0704020202020204"/>
               </a:rPr>
               <a:t>Projects</a:t>
             </a:r>
@@ -22979,14 +22931,14 @@
                 <a:solidFill>
                   <a:srgbClr val="000000"/>
                 </a:solidFill>
-                <a:latin typeface="Arial"/>
-                <a:cs typeface="Arial"/>
+                <a:latin typeface="Arial" panose="020B0704020202020204"/>
+                <a:cs typeface="Arial" panose="020B0704020202020204"/>
               </a:rPr>
               <a:t> (Cont.)</a:t>
             </a:r>
             <a:endParaRPr sz="3200">
-              <a:latin typeface="Arial"/>
-              <a:cs typeface="Arial"/>
+              <a:latin typeface="Arial" panose="020B0704020202020204"/>
+              <a:cs typeface="Arial" panose="020B0704020202020204"/>
             </a:endParaRPr>
           </a:p>
         </p:txBody>
@@ -23022,210 +22974,210 @@
             </a:pPr>
             <a:r>
               <a:rPr sz="1800" dirty="0">
-                <a:latin typeface="Arial"/>
-                <a:cs typeface="Arial"/>
+                <a:latin typeface="Arial" panose="020B0704020202020204"/>
+                <a:cs typeface="Arial" panose="020B0704020202020204"/>
               </a:rPr>
               <a:t>Organizations</a:t>
             </a:r>
             <a:r>
               <a:rPr sz="1800" spc="-25" dirty="0">
-                <a:latin typeface="Arial"/>
-                <a:cs typeface="Arial"/>
+                <a:latin typeface="Arial" panose="020B0704020202020204"/>
+                <a:cs typeface="Arial" panose="020B0704020202020204"/>
               </a:rPr>
               <a:t> </a:t>
             </a:r>
             <a:r>
               <a:rPr sz="1800" dirty="0">
-                <a:latin typeface="Arial"/>
-                <a:cs typeface="Arial"/>
+                <a:latin typeface="Arial" panose="020B0704020202020204"/>
+                <a:cs typeface="Arial" panose="020B0704020202020204"/>
               </a:rPr>
               <a:t>can</a:t>
             </a:r>
             <a:r>
               <a:rPr sz="1800" spc="-10" dirty="0">
-                <a:latin typeface="Arial"/>
-                <a:cs typeface="Arial"/>
+                <a:latin typeface="Arial" panose="020B0704020202020204"/>
+                <a:cs typeface="Arial" panose="020B0704020202020204"/>
               </a:rPr>
               <a:t> </a:t>
             </a:r>
             <a:r>
               <a:rPr sz="1800" dirty="0">
-                <a:latin typeface="Arial"/>
-                <a:cs typeface="Arial"/>
+                <a:latin typeface="Arial" panose="020B0704020202020204"/>
+                <a:cs typeface="Arial" panose="020B0704020202020204"/>
               </a:rPr>
               <a:t>be</a:t>
             </a:r>
             <a:r>
               <a:rPr sz="1800" spc="-10" dirty="0">
-                <a:latin typeface="Arial"/>
-                <a:cs typeface="Arial"/>
+                <a:latin typeface="Arial" panose="020B0704020202020204"/>
+                <a:cs typeface="Arial" panose="020B0704020202020204"/>
               </a:rPr>
               <a:t> </a:t>
             </a:r>
             <a:r>
               <a:rPr sz="1800" dirty="0">
-                <a:latin typeface="Arial"/>
-                <a:cs typeface="Arial"/>
+                <a:latin typeface="Arial" panose="020B0704020202020204"/>
+                <a:cs typeface="Arial" panose="020B0704020202020204"/>
               </a:rPr>
               <a:t>thought</a:t>
             </a:r>
             <a:r>
               <a:rPr sz="1800" spc="-20" dirty="0">
-                <a:latin typeface="Arial"/>
-                <a:cs typeface="Arial"/>
+                <a:latin typeface="Arial" panose="020B0704020202020204"/>
+                <a:cs typeface="Arial" panose="020B0704020202020204"/>
               </a:rPr>
               <a:t> </a:t>
             </a:r>
             <a:r>
               <a:rPr sz="1800" dirty="0">
-                <a:latin typeface="Arial"/>
-                <a:cs typeface="Arial"/>
+                <a:latin typeface="Arial" panose="020B0704020202020204"/>
+                <a:cs typeface="Arial" panose="020B0704020202020204"/>
               </a:rPr>
               <a:t>of</a:t>
             </a:r>
             <a:r>
               <a:rPr sz="1800" spc="-10" dirty="0">
-                <a:latin typeface="Arial"/>
-                <a:cs typeface="Arial"/>
+                <a:latin typeface="Arial" panose="020B0704020202020204"/>
+                <a:cs typeface="Arial" panose="020B0704020202020204"/>
               </a:rPr>
               <a:t> </a:t>
             </a:r>
             <a:r>
               <a:rPr sz="1800" dirty="0">
-                <a:latin typeface="Arial"/>
-                <a:cs typeface="Arial"/>
+                <a:latin typeface="Arial" panose="020B0704020202020204"/>
+                <a:cs typeface="Arial" panose="020B0704020202020204"/>
               </a:rPr>
               <a:t>as</a:t>
             </a:r>
             <a:r>
               <a:rPr sz="1800" spc="-10" dirty="0">
-                <a:latin typeface="Arial"/>
-                <a:cs typeface="Arial"/>
+                <a:latin typeface="Arial" panose="020B0704020202020204"/>
+                <a:cs typeface="Arial" panose="020B0704020202020204"/>
               </a:rPr>
               <a:t> </a:t>
             </a:r>
             <a:r>
               <a:rPr sz="1800" spc="-50" dirty="0">
-                <a:latin typeface="Arial"/>
-                <a:cs typeface="Arial"/>
+                <a:latin typeface="Arial" panose="020B0704020202020204"/>
+                <a:cs typeface="Arial" panose="020B0704020202020204"/>
               </a:rPr>
               <a:t>a </a:t>
             </a:r>
             <a:r>
               <a:rPr sz="1800" dirty="0">
-                <a:latin typeface="Arial"/>
-                <a:cs typeface="Arial"/>
+                <a:latin typeface="Arial" panose="020B0704020202020204"/>
+                <a:cs typeface="Arial" panose="020B0704020202020204"/>
               </a:rPr>
               <a:t>value</a:t>
             </a:r>
             <a:r>
               <a:rPr sz="1800" spc="-40" dirty="0">
-                <a:latin typeface="Arial"/>
-                <a:cs typeface="Arial"/>
+                <a:latin typeface="Arial" panose="020B0704020202020204"/>
+                <a:cs typeface="Arial" panose="020B0704020202020204"/>
               </a:rPr>
               <a:t> </a:t>
             </a:r>
             <a:r>
               <a:rPr sz="1800" dirty="0">
-                <a:latin typeface="Arial"/>
-                <a:cs typeface="Arial"/>
+                <a:latin typeface="Arial" panose="020B0704020202020204"/>
+                <a:cs typeface="Arial" panose="020B0704020202020204"/>
               </a:rPr>
               <a:t>chain,</a:t>
             </a:r>
             <a:r>
               <a:rPr sz="1800" spc="-40" dirty="0">
-                <a:latin typeface="Arial"/>
-                <a:cs typeface="Arial"/>
+                <a:latin typeface="Arial" panose="020B0704020202020204"/>
+                <a:cs typeface="Arial" panose="020B0704020202020204"/>
               </a:rPr>
               <a:t> </a:t>
             </a:r>
             <a:r>
               <a:rPr sz="1800" dirty="0">
-                <a:latin typeface="Arial"/>
-                <a:cs typeface="Arial"/>
+                <a:latin typeface="Arial" panose="020B0704020202020204"/>
+                <a:cs typeface="Arial" panose="020B0704020202020204"/>
               </a:rPr>
               <a:t>transforming</a:t>
             </a:r>
             <a:r>
               <a:rPr sz="1800" spc="-35" dirty="0">
-                <a:latin typeface="Arial"/>
-                <a:cs typeface="Arial"/>
+                <a:latin typeface="Arial" panose="020B0704020202020204"/>
+                <a:cs typeface="Arial" panose="020B0704020202020204"/>
               </a:rPr>
               <a:t> </a:t>
             </a:r>
             <a:r>
               <a:rPr sz="1800" dirty="0">
-                <a:latin typeface="Arial"/>
-                <a:cs typeface="Arial"/>
+                <a:latin typeface="Arial" panose="020B0704020202020204"/>
+                <a:cs typeface="Arial" panose="020B0704020202020204"/>
               </a:rPr>
               <a:t>raw</a:t>
             </a:r>
             <a:r>
               <a:rPr sz="1800" spc="-25" dirty="0">
-                <a:latin typeface="Arial"/>
-                <a:cs typeface="Arial"/>
+                <a:latin typeface="Arial" panose="020B0704020202020204"/>
+                <a:cs typeface="Arial" panose="020B0704020202020204"/>
               </a:rPr>
               <a:t> </a:t>
             </a:r>
             <a:r>
               <a:rPr sz="1800" spc="-10" dirty="0">
-                <a:latin typeface="Arial"/>
-                <a:cs typeface="Arial"/>
+                <a:latin typeface="Arial" panose="020B0704020202020204"/>
+                <a:cs typeface="Arial" panose="020B0704020202020204"/>
               </a:rPr>
               <a:t>materials </a:t>
             </a:r>
             <a:r>
               <a:rPr sz="1800" dirty="0">
-                <a:latin typeface="Arial"/>
-                <a:cs typeface="Arial"/>
+                <a:latin typeface="Arial" panose="020B0704020202020204"/>
+                <a:cs typeface="Arial" panose="020B0704020202020204"/>
               </a:rPr>
               <a:t>into</a:t>
             </a:r>
             <a:r>
               <a:rPr sz="1800" spc="-20" dirty="0">
-                <a:latin typeface="Arial"/>
-                <a:cs typeface="Arial"/>
+                <a:latin typeface="Arial" panose="020B0704020202020204"/>
+                <a:cs typeface="Arial" panose="020B0704020202020204"/>
               </a:rPr>
               <a:t> </a:t>
             </a:r>
             <a:r>
               <a:rPr sz="1800" dirty="0">
-                <a:latin typeface="Arial"/>
-                <a:cs typeface="Arial"/>
+                <a:latin typeface="Arial" panose="020B0704020202020204"/>
+                <a:cs typeface="Arial" panose="020B0704020202020204"/>
               </a:rPr>
               <a:t>products</a:t>
             </a:r>
             <a:r>
               <a:rPr sz="1800" spc="-10" dirty="0">
-                <a:latin typeface="Arial"/>
-                <a:cs typeface="Arial"/>
+                <a:latin typeface="Arial" panose="020B0704020202020204"/>
+                <a:cs typeface="Arial" panose="020B0704020202020204"/>
               </a:rPr>
               <a:t> </a:t>
             </a:r>
             <a:r>
               <a:rPr sz="1800" dirty="0">
-                <a:latin typeface="Arial"/>
-                <a:cs typeface="Arial"/>
+                <a:latin typeface="Arial" panose="020B0704020202020204"/>
+                <a:cs typeface="Arial" panose="020B0704020202020204"/>
               </a:rPr>
               <a:t>for</a:t>
             </a:r>
             <a:r>
               <a:rPr sz="1800" spc="-5" dirty="0">
-                <a:latin typeface="Arial"/>
-                <a:cs typeface="Arial"/>
+                <a:latin typeface="Arial" panose="020B0704020202020204"/>
+                <a:cs typeface="Arial" panose="020B0704020202020204"/>
               </a:rPr>
               <a:t> </a:t>
             </a:r>
             <a:r>
               <a:rPr sz="1800" spc="-10" dirty="0">
-                <a:latin typeface="Arial"/>
-                <a:cs typeface="Arial"/>
+                <a:latin typeface="Arial" panose="020B0704020202020204"/>
+                <a:cs typeface="Arial" panose="020B0704020202020204"/>
               </a:rPr>
               <a:t>customers</a:t>
             </a:r>
             <a:endParaRPr sz="1800">
-              <a:latin typeface="Arial"/>
-              <a:cs typeface="Arial"/>
+              <a:latin typeface="Arial" panose="020B0704020202020204"/>
+              <a:cs typeface="Arial" panose="020B0704020202020204"/>
             </a:endParaRPr>
           </a:p>
         </p:txBody>
@@ -23237,7 +23189,7 @@
           <p:nvPr/>
         </p:nvPicPr>
         <p:blipFill>
-          <a:blip r:embed="rId2" cstate="print"/>
+          <a:blip r:embed="rId1" cstate="print"/>
           <a:stretch>
             <a:fillRect/>
           </a:stretch>
@@ -23389,7 +23341,7 @@
           <p:nvPr/>
         </p:nvPicPr>
         <p:blipFill>
-          <a:blip r:embed="rId2" cstate="print"/>
+          <a:blip r:embed="rId1" cstate="print"/>
           <a:stretch>
             <a:fillRect/>
           </a:stretch>
@@ -23690,7 +23642,10 @@
       </a:bgFillStyleLst>
     </a:fmtScheme>
   </a:themeElements>
-  <a:objectDefaults/>
-  <a:extraClrSchemeLst/>
+  <a:extLst>
+    <a:ext uri="{05A4C25C-085E-4340-85A3-A5531E510DB2}">
+      <thm15:themeFamily xmlns:thm15="http://schemas.microsoft.com/office/thememl/2012/main" name="Office Theme" id="{62F939B6-93AF-4DB8-9C6B-D6C7DFDC589F}" vid="{4A3C46E8-61CC-4603-A589-7422A47A8E4A}"/>
+    </a:ext>
+  </a:extLst>
 </a:theme>
 </file>